--- a/GIT version control.pptx
+++ b/GIT version control.pptx
@@ -5,7 +5,7 @@
     <p:sldMasterId id="2147483648" r:id="rId1"/>
   </p:sldMasterIdLst>
   <p:notesMasterIdLst>
-    <p:notesMasterId r:id="rId24"/>
+    <p:notesMasterId r:id="rId34"/>
   </p:notesMasterIdLst>
   <p:sldIdLst>
     <p:sldId id="256" r:id="rId2"/>
@@ -30,6 +30,16 @@
     <p:sldId id="276" r:id="rId21"/>
     <p:sldId id="277" r:id="rId22"/>
     <p:sldId id="278" r:id="rId23"/>
+    <p:sldId id="279" r:id="rId24"/>
+    <p:sldId id="280" r:id="rId25"/>
+    <p:sldId id="281" r:id="rId26"/>
+    <p:sldId id="284" r:id="rId27"/>
+    <p:sldId id="285" r:id="rId28"/>
+    <p:sldId id="286" r:id="rId29"/>
+    <p:sldId id="288" r:id="rId30"/>
+    <p:sldId id="287" r:id="rId31"/>
+    <p:sldId id="282" r:id="rId32"/>
+    <p:sldId id="283" r:id="rId33"/>
   </p:sldIdLst>
   <p:sldSz cx="9144000" cy="6858000" type="screen4x3"/>
   <p:notesSz cx="6858000" cy="9144000"/>
@@ -565,6 +575,1053 @@
 </p:notes>
 </file>
 
+<file path=ppt/notesSlides/notesSlide10.xml><?xml version="1.0" encoding="utf-8"?>
+<p:notes xmlns:a="http://schemas.openxmlformats.org/drawingml/2006/main" xmlns:r="http://schemas.openxmlformats.org/officeDocument/2006/relationships" xmlns:p="http://schemas.openxmlformats.org/presentationml/2006/main">
+  <p:cSld>
+    <p:spTree>
+      <p:nvGrpSpPr>
+        <p:cNvPr id="1" name=""/>
+        <p:cNvGrpSpPr/>
+        <p:nvPr/>
+      </p:nvGrpSpPr>
+      <p:grpSpPr>
+        <a:xfrm>
+          <a:off x="0" y="0"/>
+          <a:ext cx="0" cy="0"/>
+          <a:chOff x="0" y="0"/>
+          <a:chExt cx="0" cy="0"/>
+        </a:xfrm>
+      </p:grpSpPr>
+      <p:sp>
+        <p:nvSpPr>
+          <p:cNvPr id="2" name="Slide Image Placeholder 1"/>
+          <p:cNvSpPr>
+            <a:spLocks noGrp="1" noRot="1" noChangeAspect="1"/>
+          </p:cNvSpPr>
+          <p:nvPr>
+            <p:ph type="sldImg"/>
+          </p:nvPr>
+        </p:nvSpPr>
+        <p:spPr/>
+      </p:sp>
+      <p:sp>
+        <p:nvSpPr>
+          <p:cNvPr id="3" name="Notes Placeholder 2"/>
+          <p:cNvSpPr>
+            <a:spLocks noGrp="1"/>
+          </p:cNvSpPr>
+          <p:nvPr>
+            <p:ph type="body" idx="1"/>
+          </p:nvPr>
+        </p:nvSpPr>
+        <p:spPr/>
+        <p:txBody>
+          <a:bodyPr/>
+          <a:lstStyle/>
+          <a:p>
+            <a:r>
+              <a:rPr lang="en-US" dirty="0" err="1" smtClean="0"/>
+              <a:t>Git</a:t>
+            </a:r>
+            <a:r>
+              <a:rPr lang="en-US" dirty="0" smtClean="0"/>
+              <a:t> Log    -p -3 </a:t>
+            </a:r>
+            <a:br>
+              <a:rPr lang="en-US" dirty="0" smtClean="0"/>
+            </a:br>
+            <a:r>
+              <a:rPr lang="en-US" dirty="0" smtClean="0"/>
+              <a:t>--all</a:t>
+            </a:r>
+            <a:br>
+              <a:rPr lang="en-US" dirty="0" smtClean="0"/>
+            </a:br>
+            <a:r>
+              <a:rPr lang="en-US" sz="1200" b="0" i="0" kern="1200" dirty="0" smtClean="0">
+                <a:solidFill>
+                  <a:schemeClr val="tx1"/>
+                </a:solidFill>
+                <a:effectLst/>
+                <a:latin typeface="+mn-lt"/>
+                <a:ea typeface="+mn-ea"/>
+                <a:cs typeface="+mn-cs"/>
+              </a:rPr>
+              <a:t>--stat</a:t>
+            </a:r>
+            <a:br>
+              <a:rPr lang="en-US" sz="1200" b="0" i="0" kern="1200" dirty="0" smtClean="0">
+                <a:solidFill>
+                  <a:schemeClr val="tx1"/>
+                </a:solidFill>
+                <a:effectLst/>
+                <a:latin typeface="+mn-lt"/>
+                <a:ea typeface="+mn-ea"/>
+                <a:cs typeface="+mn-cs"/>
+              </a:rPr>
+            </a:br>
+            <a:r>
+              <a:rPr lang="en-US" sz="1200" b="0" i="0" kern="1200" dirty="0" smtClean="0">
+                <a:solidFill>
+                  <a:schemeClr val="tx1"/>
+                </a:solidFill>
+                <a:effectLst/>
+                <a:latin typeface="+mn-lt"/>
+                <a:ea typeface="+mn-ea"/>
+                <a:cs typeface="+mn-cs"/>
+              </a:rPr>
+              <a:t>--pretty=[format]</a:t>
+            </a:r>
+          </a:p>
+          <a:p>
+            <a:r>
+              <a:rPr lang="en-US" sz="1200" b="0" i="0" kern="1200" dirty="0" smtClean="0">
+                <a:solidFill>
+                  <a:schemeClr val="tx1"/>
+                </a:solidFill>
+                <a:effectLst/>
+                <a:latin typeface="+mn-lt"/>
+                <a:ea typeface="+mn-ea"/>
+                <a:cs typeface="+mn-cs"/>
+              </a:rPr>
+              <a:t>--graph</a:t>
+            </a:r>
+          </a:p>
+          <a:p>
+            <a:r>
+              <a:rPr lang="en-US" sz="1200" b="0" i="0" kern="1200" dirty="0" smtClean="0">
+                <a:solidFill>
+                  <a:schemeClr val="tx1"/>
+                </a:solidFill>
+                <a:effectLst/>
+                <a:latin typeface="+mn-lt"/>
+                <a:ea typeface="+mn-ea"/>
+                <a:cs typeface="+mn-cs"/>
+              </a:rPr>
+              <a:t>--</a:t>
+            </a:r>
+            <a:r>
+              <a:rPr lang="en-US" sz="1200" b="0" i="0" kern="1200" dirty="0" err="1" smtClean="0">
+                <a:solidFill>
+                  <a:schemeClr val="tx1"/>
+                </a:solidFill>
+                <a:effectLst/>
+                <a:latin typeface="+mn-lt"/>
+                <a:ea typeface="+mn-ea"/>
+                <a:cs typeface="+mn-cs"/>
+              </a:rPr>
+              <a:t>oneline</a:t>
+            </a:r>
+            <a:endParaRPr lang="en-US" sz="1200" b="0" i="0" kern="1200" dirty="0" smtClean="0">
+              <a:solidFill>
+                <a:schemeClr val="tx1"/>
+              </a:solidFill>
+              <a:effectLst/>
+              <a:latin typeface="+mn-lt"/>
+              <a:ea typeface="+mn-ea"/>
+              <a:cs typeface="+mn-cs"/>
+            </a:endParaRPr>
+          </a:p>
+          <a:p>
+            <a:r>
+              <a:rPr lang="en-US" sz="1200" b="0" i="0" kern="1200" dirty="0" smtClean="0">
+                <a:solidFill>
+                  <a:schemeClr val="tx1"/>
+                </a:solidFill>
+                <a:effectLst/>
+                <a:latin typeface="+mn-lt"/>
+                <a:ea typeface="+mn-ea"/>
+                <a:cs typeface="+mn-cs"/>
+              </a:rPr>
+              <a:t>--decorate</a:t>
+            </a:r>
+          </a:p>
+          <a:p>
+            <a:r>
+              <a:rPr lang="en-US" dirty="0" smtClean="0"/>
+              <a:t>--since</a:t>
+            </a:r>
+            <a:r>
+              <a:rPr lang="en-US" sz="1200" b="0" i="0" kern="1200" dirty="0" smtClean="0">
+                <a:solidFill>
+                  <a:schemeClr val="tx1"/>
+                </a:solidFill>
+                <a:effectLst/>
+                <a:latin typeface="+mn-lt"/>
+                <a:ea typeface="+mn-ea"/>
+                <a:cs typeface="+mn-cs"/>
+              </a:rPr>
+              <a:t> and </a:t>
+            </a:r>
+            <a:r>
+              <a:rPr lang="en-US" dirty="0" smtClean="0"/>
+              <a:t>--until</a:t>
+            </a:r>
+          </a:p>
+          <a:p>
+            <a:r>
+              <a:rPr lang="en-US" sz="1200" b="0" i="0" kern="1200" dirty="0" smtClean="0">
+                <a:solidFill>
+                  <a:schemeClr val="tx1"/>
+                </a:solidFill>
+                <a:effectLst/>
+                <a:latin typeface="+mn-lt"/>
+                <a:ea typeface="+mn-ea"/>
+                <a:cs typeface="+mn-cs"/>
+              </a:rPr>
+              <a:t>-S </a:t>
+            </a:r>
+            <a:r>
+              <a:rPr lang="en-US" sz="1200" b="0" i="0" kern="1200" dirty="0" err="1" smtClean="0">
+                <a:solidFill>
+                  <a:schemeClr val="tx1"/>
+                </a:solidFill>
+                <a:effectLst/>
+                <a:latin typeface="+mn-lt"/>
+                <a:ea typeface="+mn-ea"/>
+                <a:cs typeface="+mn-cs"/>
+              </a:rPr>
+              <a:t>str</a:t>
+            </a:r>
+            <a:endParaRPr lang="en-US" sz="1200" b="0" i="0" kern="1200" dirty="0" smtClean="0">
+              <a:solidFill>
+                <a:schemeClr val="tx1"/>
+              </a:solidFill>
+              <a:effectLst/>
+              <a:latin typeface="+mn-lt"/>
+              <a:ea typeface="+mn-ea"/>
+              <a:cs typeface="+mn-cs"/>
+            </a:endParaRPr>
+          </a:p>
+          <a:p>
+            <a:endParaRPr lang="en-US" sz="1200" b="0" i="0" kern="1200" dirty="0" smtClean="0">
+              <a:solidFill>
+                <a:schemeClr val="tx1"/>
+              </a:solidFill>
+              <a:effectLst/>
+              <a:latin typeface="+mn-lt"/>
+              <a:ea typeface="+mn-ea"/>
+              <a:cs typeface="+mn-cs"/>
+            </a:endParaRPr>
+          </a:p>
+          <a:p>
+            <a:endParaRPr lang="en-US" dirty="0"/>
+          </a:p>
+        </p:txBody>
+      </p:sp>
+      <p:sp>
+        <p:nvSpPr>
+          <p:cNvPr id="4" name="Slide Number Placeholder 3"/>
+          <p:cNvSpPr>
+            <a:spLocks noGrp="1"/>
+          </p:cNvSpPr>
+          <p:nvPr>
+            <p:ph type="sldNum" sz="quarter" idx="10"/>
+          </p:nvPr>
+        </p:nvSpPr>
+        <p:spPr/>
+        <p:txBody>
+          <a:bodyPr/>
+          <a:lstStyle/>
+          <a:p>
+            <a:fld id="{3BE3DC07-12DA-4907-B68D-C6D54C5EA421}" type="slidenum">
+              <a:rPr lang="en-US" smtClean="0"/>
+              <a:t>23</a:t>
+            </a:fld>
+            <a:endParaRPr lang="en-US"/>
+          </a:p>
+        </p:txBody>
+      </p:sp>
+    </p:spTree>
+    <p:extLst>
+      <p:ext uri="{BB962C8B-B14F-4D97-AF65-F5344CB8AC3E}">
+        <p14:creationId xmlns:p14="http://schemas.microsoft.com/office/powerpoint/2010/main" val="2593205200"/>
+      </p:ext>
+    </p:extLst>
+  </p:cSld>
+  <p:clrMapOvr>
+    <a:masterClrMapping/>
+  </p:clrMapOvr>
+</p:notes>
+</file>
+
+<file path=ppt/notesSlides/notesSlide11.xml><?xml version="1.0" encoding="utf-8"?>
+<p:notes xmlns:a="http://schemas.openxmlformats.org/drawingml/2006/main" xmlns:r="http://schemas.openxmlformats.org/officeDocument/2006/relationships" xmlns:p="http://schemas.openxmlformats.org/presentationml/2006/main">
+  <p:cSld>
+    <p:spTree>
+      <p:nvGrpSpPr>
+        <p:cNvPr id="1" name=""/>
+        <p:cNvGrpSpPr/>
+        <p:nvPr/>
+      </p:nvGrpSpPr>
+      <p:grpSpPr>
+        <a:xfrm>
+          <a:off x="0" y="0"/>
+          <a:ext cx="0" cy="0"/>
+          <a:chOff x="0" y="0"/>
+          <a:chExt cx="0" cy="0"/>
+        </a:xfrm>
+      </p:grpSpPr>
+      <p:sp>
+        <p:nvSpPr>
+          <p:cNvPr id="2" name="Slide Image Placeholder 1"/>
+          <p:cNvSpPr>
+            <a:spLocks noGrp="1" noRot="1" noChangeAspect="1"/>
+          </p:cNvSpPr>
+          <p:nvPr>
+            <p:ph type="sldImg"/>
+          </p:nvPr>
+        </p:nvSpPr>
+        <p:spPr/>
+      </p:sp>
+      <p:sp>
+        <p:nvSpPr>
+          <p:cNvPr id="3" name="Notes Placeholder 2"/>
+          <p:cNvSpPr>
+            <a:spLocks noGrp="1"/>
+          </p:cNvSpPr>
+          <p:nvPr>
+            <p:ph type="body" idx="1"/>
+          </p:nvPr>
+        </p:nvSpPr>
+        <p:spPr/>
+        <p:txBody>
+          <a:bodyPr/>
+          <a:lstStyle/>
+          <a:p>
+            <a:endParaRPr lang="en-US" dirty="0"/>
+          </a:p>
+        </p:txBody>
+      </p:sp>
+      <p:sp>
+        <p:nvSpPr>
+          <p:cNvPr id="4" name="Slide Number Placeholder 3"/>
+          <p:cNvSpPr>
+            <a:spLocks noGrp="1"/>
+          </p:cNvSpPr>
+          <p:nvPr>
+            <p:ph type="sldNum" sz="quarter" idx="10"/>
+          </p:nvPr>
+        </p:nvSpPr>
+        <p:spPr/>
+        <p:txBody>
+          <a:bodyPr/>
+          <a:lstStyle/>
+          <a:p>
+            <a:fld id="{3BE3DC07-12DA-4907-B68D-C6D54C5EA421}" type="slidenum">
+              <a:rPr lang="en-US" smtClean="0"/>
+              <a:t>24</a:t>
+            </a:fld>
+            <a:endParaRPr lang="en-US"/>
+          </a:p>
+        </p:txBody>
+      </p:sp>
+    </p:spTree>
+    <p:extLst>
+      <p:ext uri="{BB962C8B-B14F-4D97-AF65-F5344CB8AC3E}">
+        <p14:creationId xmlns:p14="http://schemas.microsoft.com/office/powerpoint/2010/main" val="2593205200"/>
+      </p:ext>
+    </p:extLst>
+  </p:cSld>
+  <p:clrMapOvr>
+    <a:masterClrMapping/>
+  </p:clrMapOvr>
+</p:notes>
+</file>
+
+<file path=ppt/notesSlides/notesSlide12.xml><?xml version="1.0" encoding="utf-8"?>
+<p:notes xmlns:a="http://schemas.openxmlformats.org/drawingml/2006/main" xmlns:r="http://schemas.openxmlformats.org/officeDocument/2006/relationships" xmlns:p="http://schemas.openxmlformats.org/presentationml/2006/main">
+  <p:cSld>
+    <p:spTree>
+      <p:nvGrpSpPr>
+        <p:cNvPr id="1" name=""/>
+        <p:cNvGrpSpPr/>
+        <p:nvPr/>
+      </p:nvGrpSpPr>
+      <p:grpSpPr>
+        <a:xfrm>
+          <a:off x="0" y="0"/>
+          <a:ext cx="0" cy="0"/>
+          <a:chOff x="0" y="0"/>
+          <a:chExt cx="0" cy="0"/>
+        </a:xfrm>
+      </p:grpSpPr>
+      <p:sp>
+        <p:nvSpPr>
+          <p:cNvPr id="2" name="Slide Image Placeholder 1"/>
+          <p:cNvSpPr>
+            <a:spLocks noGrp="1" noRot="1" noChangeAspect="1"/>
+          </p:cNvSpPr>
+          <p:nvPr>
+            <p:ph type="sldImg"/>
+          </p:nvPr>
+        </p:nvSpPr>
+        <p:spPr/>
+      </p:sp>
+      <p:sp>
+        <p:nvSpPr>
+          <p:cNvPr id="3" name="Notes Placeholder 2"/>
+          <p:cNvSpPr>
+            <a:spLocks noGrp="1"/>
+          </p:cNvSpPr>
+          <p:nvPr>
+            <p:ph type="body" idx="1"/>
+          </p:nvPr>
+        </p:nvSpPr>
+        <p:spPr/>
+        <p:txBody>
+          <a:bodyPr/>
+          <a:lstStyle/>
+          <a:p>
+            <a:r>
+              <a:rPr lang="en-US" dirty="0" smtClean="0"/>
+              <a:t>Origin is remote added</a:t>
+            </a:r>
+            <a:r>
+              <a:rPr lang="en-US" baseline="0" dirty="0" smtClean="0"/>
+              <a:t> by default when cloning from a server</a:t>
+            </a:r>
+          </a:p>
+          <a:p>
+            <a:endParaRPr lang="en-US" dirty="0" smtClean="0"/>
+          </a:p>
+          <a:p>
+            <a:r>
+              <a:rPr lang="en-US" dirty="0" smtClean="0"/>
+              <a:t>Fetch –all </a:t>
+            </a:r>
+            <a:endParaRPr lang="en-US" dirty="0"/>
+          </a:p>
+        </p:txBody>
+      </p:sp>
+      <p:sp>
+        <p:nvSpPr>
+          <p:cNvPr id="4" name="Slide Number Placeholder 3"/>
+          <p:cNvSpPr>
+            <a:spLocks noGrp="1"/>
+          </p:cNvSpPr>
+          <p:nvPr>
+            <p:ph type="sldNum" sz="quarter" idx="10"/>
+          </p:nvPr>
+        </p:nvSpPr>
+        <p:spPr/>
+        <p:txBody>
+          <a:bodyPr/>
+          <a:lstStyle/>
+          <a:p>
+            <a:fld id="{3BE3DC07-12DA-4907-B68D-C6D54C5EA421}" type="slidenum">
+              <a:rPr lang="en-US" smtClean="0"/>
+              <a:t>25</a:t>
+            </a:fld>
+            <a:endParaRPr lang="en-US"/>
+          </a:p>
+        </p:txBody>
+      </p:sp>
+    </p:spTree>
+    <p:extLst>
+      <p:ext uri="{BB962C8B-B14F-4D97-AF65-F5344CB8AC3E}">
+        <p14:creationId xmlns:p14="http://schemas.microsoft.com/office/powerpoint/2010/main" val="2593205200"/>
+      </p:ext>
+    </p:extLst>
+  </p:cSld>
+  <p:clrMapOvr>
+    <a:masterClrMapping/>
+  </p:clrMapOvr>
+</p:notes>
+</file>
+
+<file path=ppt/notesSlides/notesSlide13.xml><?xml version="1.0" encoding="utf-8"?>
+<p:notes xmlns:a="http://schemas.openxmlformats.org/drawingml/2006/main" xmlns:r="http://schemas.openxmlformats.org/officeDocument/2006/relationships" xmlns:p="http://schemas.openxmlformats.org/presentationml/2006/main">
+  <p:cSld>
+    <p:spTree>
+      <p:nvGrpSpPr>
+        <p:cNvPr id="1" name=""/>
+        <p:cNvGrpSpPr/>
+        <p:nvPr/>
+      </p:nvGrpSpPr>
+      <p:grpSpPr>
+        <a:xfrm>
+          <a:off x="0" y="0"/>
+          <a:ext cx="0" cy="0"/>
+          <a:chOff x="0" y="0"/>
+          <a:chExt cx="0" cy="0"/>
+        </a:xfrm>
+      </p:grpSpPr>
+      <p:sp>
+        <p:nvSpPr>
+          <p:cNvPr id="2" name="Slide Image Placeholder 1"/>
+          <p:cNvSpPr>
+            <a:spLocks noGrp="1" noRot="1" noChangeAspect="1"/>
+          </p:cNvSpPr>
+          <p:nvPr>
+            <p:ph type="sldImg"/>
+          </p:nvPr>
+        </p:nvSpPr>
+        <p:spPr/>
+      </p:sp>
+      <p:sp>
+        <p:nvSpPr>
+          <p:cNvPr id="3" name="Notes Placeholder 2"/>
+          <p:cNvSpPr>
+            <a:spLocks noGrp="1"/>
+          </p:cNvSpPr>
+          <p:nvPr>
+            <p:ph type="body" idx="1"/>
+          </p:nvPr>
+        </p:nvSpPr>
+        <p:spPr/>
+        <p:txBody>
+          <a:bodyPr/>
+          <a:lstStyle/>
+          <a:p>
+            <a:endParaRPr lang="en-US" dirty="0"/>
+          </a:p>
+        </p:txBody>
+      </p:sp>
+      <p:sp>
+        <p:nvSpPr>
+          <p:cNvPr id="4" name="Slide Number Placeholder 3"/>
+          <p:cNvSpPr>
+            <a:spLocks noGrp="1"/>
+          </p:cNvSpPr>
+          <p:nvPr>
+            <p:ph type="sldNum" sz="quarter" idx="10"/>
+          </p:nvPr>
+        </p:nvSpPr>
+        <p:spPr/>
+        <p:txBody>
+          <a:bodyPr/>
+          <a:lstStyle/>
+          <a:p>
+            <a:fld id="{3BE3DC07-12DA-4907-B68D-C6D54C5EA421}" type="slidenum">
+              <a:rPr lang="en-US" smtClean="0"/>
+              <a:t>26</a:t>
+            </a:fld>
+            <a:endParaRPr lang="en-US"/>
+          </a:p>
+        </p:txBody>
+      </p:sp>
+    </p:spTree>
+    <p:extLst>
+      <p:ext uri="{BB962C8B-B14F-4D97-AF65-F5344CB8AC3E}">
+        <p14:creationId xmlns:p14="http://schemas.microsoft.com/office/powerpoint/2010/main" val="2593205200"/>
+      </p:ext>
+    </p:extLst>
+  </p:cSld>
+  <p:clrMapOvr>
+    <a:masterClrMapping/>
+  </p:clrMapOvr>
+</p:notes>
+</file>
+
+<file path=ppt/notesSlides/notesSlide14.xml><?xml version="1.0" encoding="utf-8"?>
+<p:notes xmlns:a="http://schemas.openxmlformats.org/drawingml/2006/main" xmlns:r="http://schemas.openxmlformats.org/officeDocument/2006/relationships" xmlns:p="http://schemas.openxmlformats.org/presentationml/2006/main">
+  <p:cSld>
+    <p:spTree>
+      <p:nvGrpSpPr>
+        <p:cNvPr id="1" name=""/>
+        <p:cNvGrpSpPr/>
+        <p:nvPr/>
+      </p:nvGrpSpPr>
+      <p:grpSpPr>
+        <a:xfrm>
+          <a:off x="0" y="0"/>
+          <a:ext cx="0" cy="0"/>
+          <a:chOff x="0" y="0"/>
+          <a:chExt cx="0" cy="0"/>
+        </a:xfrm>
+      </p:grpSpPr>
+      <p:sp>
+        <p:nvSpPr>
+          <p:cNvPr id="2" name="Slide Image Placeholder 1"/>
+          <p:cNvSpPr>
+            <a:spLocks noGrp="1" noRot="1" noChangeAspect="1"/>
+          </p:cNvSpPr>
+          <p:nvPr>
+            <p:ph type="sldImg"/>
+          </p:nvPr>
+        </p:nvSpPr>
+        <p:spPr/>
+      </p:sp>
+      <p:sp>
+        <p:nvSpPr>
+          <p:cNvPr id="3" name="Notes Placeholder 2"/>
+          <p:cNvSpPr>
+            <a:spLocks noGrp="1"/>
+          </p:cNvSpPr>
+          <p:nvPr>
+            <p:ph type="body" idx="1"/>
+          </p:nvPr>
+        </p:nvSpPr>
+        <p:spPr/>
+        <p:txBody>
+          <a:bodyPr/>
+          <a:lstStyle/>
+          <a:p>
+            <a:r>
+              <a:rPr lang="en-US" dirty="0" smtClean="0"/>
+              <a:t>, --no-merged, --merged</a:t>
+            </a:r>
+            <a:endParaRPr lang="en-US" dirty="0"/>
+          </a:p>
+        </p:txBody>
+      </p:sp>
+      <p:sp>
+        <p:nvSpPr>
+          <p:cNvPr id="4" name="Slide Number Placeholder 3"/>
+          <p:cNvSpPr>
+            <a:spLocks noGrp="1"/>
+          </p:cNvSpPr>
+          <p:nvPr>
+            <p:ph type="sldNum" sz="quarter" idx="10"/>
+          </p:nvPr>
+        </p:nvSpPr>
+        <p:spPr/>
+        <p:txBody>
+          <a:bodyPr/>
+          <a:lstStyle/>
+          <a:p>
+            <a:fld id="{3BE3DC07-12DA-4907-B68D-C6D54C5EA421}" type="slidenum">
+              <a:rPr lang="en-US" smtClean="0"/>
+              <a:t>27</a:t>
+            </a:fld>
+            <a:endParaRPr lang="en-US"/>
+          </a:p>
+        </p:txBody>
+      </p:sp>
+    </p:spTree>
+    <p:extLst>
+      <p:ext uri="{BB962C8B-B14F-4D97-AF65-F5344CB8AC3E}">
+        <p14:creationId xmlns:p14="http://schemas.microsoft.com/office/powerpoint/2010/main" val="2593205200"/>
+      </p:ext>
+    </p:extLst>
+  </p:cSld>
+  <p:clrMapOvr>
+    <a:masterClrMapping/>
+  </p:clrMapOvr>
+</p:notes>
+</file>
+
+<file path=ppt/notesSlides/notesSlide15.xml><?xml version="1.0" encoding="utf-8"?>
+<p:notes xmlns:a="http://schemas.openxmlformats.org/drawingml/2006/main" xmlns:r="http://schemas.openxmlformats.org/officeDocument/2006/relationships" xmlns:p="http://schemas.openxmlformats.org/presentationml/2006/main">
+  <p:cSld>
+    <p:spTree>
+      <p:nvGrpSpPr>
+        <p:cNvPr id="1" name=""/>
+        <p:cNvGrpSpPr/>
+        <p:nvPr/>
+      </p:nvGrpSpPr>
+      <p:grpSpPr>
+        <a:xfrm>
+          <a:off x="0" y="0"/>
+          <a:ext cx="0" cy="0"/>
+          <a:chOff x="0" y="0"/>
+          <a:chExt cx="0" cy="0"/>
+        </a:xfrm>
+      </p:grpSpPr>
+      <p:sp>
+        <p:nvSpPr>
+          <p:cNvPr id="2" name="Slide Image Placeholder 1"/>
+          <p:cNvSpPr>
+            <a:spLocks noGrp="1" noRot="1" noChangeAspect="1"/>
+          </p:cNvSpPr>
+          <p:nvPr>
+            <p:ph type="sldImg"/>
+          </p:nvPr>
+        </p:nvSpPr>
+        <p:spPr/>
+      </p:sp>
+      <p:sp>
+        <p:nvSpPr>
+          <p:cNvPr id="3" name="Notes Placeholder 2"/>
+          <p:cNvSpPr>
+            <a:spLocks noGrp="1"/>
+          </p:cNvSpPr>
+          <p:nvPr>
+            <p:ph type="body" idx="1"/>
+          </p:nvPr>
+        </p:nvSpPr>
+        <p:spPr/>
+        <p:txBody>
+          <a:bodyPr/>
+          <a:lstStyle/>
+          <a:p>
+            <a:endParaRPr lang="en-US" dirty="0"/>
+          </a:p>
+        </p:txBody>
+      </p:sp>
+      <p:sp>
+        <p:nvSpPr>
+          <p:cNvPr id="4" name="Slide Number Placeholder 3"/>
+          <p:cNvSpPr>
+            <a:spLocks noGrp="1"/>
+          </p:cNvSpPr>
+          <p:nvPr>
+            <p:ph type="sldNum" sz="quarter" idx="10"/>
+          </p:nvPr>
+        </p:nvSpPr>
+        <p:spPr/>
+        <p:txBody>
+          <a:bodyPr/>
+          <a:lstStyle/>
+          <a:p>
+            <a:fld id="{3BE3DC07-12DA-4907-B68D-C6D54C5EA421}" type="slidenum">
+              <a:rPr lang="en-US" smtClean="0"/>
+              <a:t>28</a:t>
+            </a:fld>
+            <a:endParaRPr lang="en-US"/>
+          </a:p>
+        </p:txBody>
+      </p:sp>
+    </p:spTree>
+    <p:extLst>
+      <p:ext uri="{BB962C8B-B14F-4D97-AF65-F5344CB8AC3E}">
+        <p14:creationId xmlns:p14="http://schemas.microsoft.com/office/powerpoint/2010/main" val="2593205200"/>
+      </p:ext>
+    </p:extLst>
+  </p:cSld>
+  <p:clrMapOvr>
+    <a:masterClrMapping/>
+  </p:clrMapOvr>
+</p:notes>
+</file>
+
+<file path=ppt/notesSlides/notesSlide16.xml><?xml version="1.0" encoding="utf-8"?>
+<p:notes xmlns:a="http://schemas.openxmlformats.org/drawingml/2006/main" xmlns:r="http://schemas.openxmlformats.org/officeDocument/2006/relationships" xmlns:p="http://schemas.openxmlformats.org/presentationml/2006/main">
+  <p:cSld>
+    <p:spTree>
+      <p:nvGrpSpPr>
+        <p:cNvPr id="1" name=""/>
+        <p:cNvGrpSpPr/>
+        <p:nvPr/>
+      </p:nvGrpSpPr>
+      <p:grpSpPr>
+        <a:xfrm>
+          <a:off x="0" y="0"/>
+          <a:ext cx="0" cy="0"/>
+          <a:chOff x="0" y="0"/>
+          <a:chExt cx="0" cy="0"/>
+        </a:xfrm>
+      </p:grpSpPr>
+      <p:sp>
+        <p:nvSpPr>
+          <p:cNvPr id="2" name="Slide Image Placeholder 1"/>
+          <p:cNvSpPr>
+            <a:spLocks noGrp="1" noRot="1" noChangeAspect="1"/>
+          </p:cNvSpPr>
+          <p:nvPr>
+            <p:ph type="sldImg"/>
+          </p:nvPr>
+        </p:nvSpPr>
+        <p:spPr/>
+      </p:sp>
+      <p:sp>
+        <p:nvSpPr>
+          <p:cNvPr id="3" name="Notes Placeholder 2"/>
+          <p:cNvSpPr>
+            <a:spLocks noGrp="1"/>
+          </p:cNvSpPr>
+          <p:nvPr>
+            <p:ph type="body" idx="1"/>
+          </p:nvPr>
+        </p:nvSpPr>
+        <p:spPr/>
+        <p:txBody>
+          <a:bodyPr/>
+          <a:lstStyle/>
+          <a:p>
+            <a:endParaRPr lang="en-US" dirty="0"/>
+          </a:p>
+        </p:txBody>
+      </p:sp>
+      <p:sp>
+        <p:nvSpPr>
+          <p:cNvPr id="4" name="Slide Number Placeholder 3"/>
+          <p:cNvSpPr>
+            <a:spLocks noGrp="1"/>
+          </p:cNvSpPr>
+          <p:nvPr>
+            <p:ph type="sldNum" sz="quarter" idx="10"/>
+          </p:nvPr>
+        </p:nvSpPr>
+        <p:spPr/>
+        <p:txBody>
+          <a:bodyPr/>
+          <a:lstStyle/>
+          <a:p>
+            <a:fld id="{3BE3DC07-12DA-4907-B68D-C6D54C5EA421}" type="slidenum">
+              <a:rPr lang="en-US" smtClean="0"/>
+              <a:t>29</a:t>
+            </a:fld>
+            <a:endParaRPr lang="en-US"/>
+          </a:p>
+        </p:txBody>
+      </p:sp>
+    </p:spTree>
+    <p:extLst>
+      <p:ext uri="{BB962C8B-B14F-4D97-AF65-F5344CB8AC3E}">
+        <p14:creationId xmlns:p14="http://schemas.microsoft.com/office/powerpoint/2010/main" val="2593205200"/>
+      </p:ext>
+    </p:extLst>
+  </p:cSld>
+  <p:clrMapOvr>
+    <a:masterClrMapping/>
+  </p:clrMapOvr>
+</p:notes>
+</file>
+
+<file path=ppt/notesSlides/notesSlide17.xml><?xml version="1.0" encoding="utf-8"?>
+<p:notes xmlns:a="http://schemas.openxmlformats.org/drawingml/2006/main" xmlns:r="http://schemas.openxmlformats.org/officeDocument/2006/relationships" xmlns:p="http://schemas.openxmlformats.org/presentationml/2006/main">
+  <p:cSld>
+    <p:spTree>
+      <p:nvGrpSpPr>
+        <p:cNvPr id="1" name=""/>
+        <p:cNvGrpSpPr/>
+        <p:nvPr/>
+      </p:nvGrpSpPr>
+      <p:grpSpPr>
+        <a:xfrm>
+          <a:off x="0" y="0"/>
+          <a:ext cx="0" cy="0"/>
+          <a:chOff x="0" y="0"/>
+          <a:chExt cx="0" cy="0"/>
+        </a:xfrm>
+      </p:grpSpPr>
+      <p:sp>
+        <p:nvSpPr>
+          <p:cNvPr id="2" name="Slide Image Placeholder 1"/>
+          <p:cNvSpPr>
+            <a:spLocks noGrp="1" noRot="1" noChangeAspect="1"/>
+          </p:cNvSpPr>
+          <p:nvPr>
+            <p:ph type="sldImg"/>
+          </p:nvPr>
+        </p:nvSpPr>
+        <p:spPr/>
+      </p:sp>
+      <p:sp>
+        <p:nvSpPr>
+          <p:cNvPr id="3" name="Notes Placeholder 2"/>
+          <p:cNvSpPr>
+            <a:spLocks noGrp="1"/>
+          </p:cNvSpPr>
+          <p:nvPr>
+            <p:ph type="body" idx="1"/>
+          </p:nvPr>
+        </p:nvSpPr>
+        <p:spPr/>
+        <p:txBody>
+          <a:bodyPr/>
+          <a:lstStyle/>
+          <a:p>
+            <a:endParaRPr lang="en-US" dirty="0"/>
+          </a:p>
+        </p:txBody>
+      </p:sp>
+      <p:sp>
+        <p:nvSpPr>
+          <p:cNvPr id="4" name="Slide Number Placeholder 3"/>
+          <p:cNvSpPr>
+            <a:spLocks noGrp="1"/>
+          </p:cNvSpPr>
+          <p:nvPr>
+            <p:ph type="sldNum" sz="quarter" idx="10"/>
+          </p:nvPr>
+        </p:nvSpPr>
+        <p:spPr/>
+        <p:txBody>
+          <a:bodyPr/>
+          <a:lstStyle/>
+          <a:p>
+            <a:fld id="{3BE3DC07-12DA-4907-B68D-C6D54C5EA421}" type="slidenum">
+              <a:rPr lang="en-US" smtClean="0"/>
+              <a:t>30</a:t>
+            </a:fld>
+            <a:endParaRPr lang="en-US"/>
+          </a:p>
+        </p:txBody>
+      </p:sp>
+    </p:spTree>
+    <p:extLst>
+      <p:ext uri="{BB962C8B-B14F-4D97-AF65-F5344CB8AC3E}">
+        <p14:creationId xmlns:p14="http://schemas.microsoft.com/office/powerpoint/2010/main" val="2593205200"/>
+      </p:ext>
+    </p:extLst>
+  </p:cSld>
+  <p:clrMapOvr>
+    <a:masterClrMapping/>
+  </p:clrMapOvr>
+</p:notes>
+</file>
+
+<file path=ppt/notesSlides/notesSlide18.xml><?xml version="1.0" encoding="utf-8"?>
+<p:notes xmlns:a="http://schemas.openxmlformats.org/drawingml/2006/main" xmlns:r="http://schemas.openxmlformats.org/officeDocument/2006/relationships" xmlns:p="http://schemas.openxmlformats.org/presentationml/2006/main">
+  <p:cSld>
+    <p:spTree>
+      <p:nvGrpSpPr>
+        <p:cNvPr id="1" name=""/>
+        <p:cNvGrpSpPr/>
+        <p:nvPr/>
+      </p:nvGrpSpPr>
+      <p:grpSpPr>
+        <a:xfrm>
+          <a:off x="0" y="0"/>
+          <a:ext cx="0" cy="0"/>
+          <a:chOff x="0" y="0"/>
+          <a:chExt cx="0" cy="0"/>
+        </a:xfrm>
+      </p:grpSpPr>
+      <p:sp>
+        <p:nvSpPr>
+          <p:cNvPr id="2" name="Slide Image Placeholder 1"/>
+          <p:cNvSpPr>
+            <a:spLocks noGrp="1" noRot="1" noChangeAspect="1"/>
+          </p:cNvSpPr>
+          <p:nvPr>
+            <p:ph type="sldImg"/>
+          </p:nvPr>
+        </p:nvSpPr>
+        <p:spPr/>
+      </p:sp>
+      <p:sp>
+        <p:nvSpPr>
+          <p:cNvPr id="3" name="Notes Placeholder 2"/>
+          <p:cNvSpPr>
+            <a:spLocks noGrp="1"/>
+          </p:cNvSpPr>
+          <p:nvPr>
+            <p:ph type="body" idx="1"/>
+          </p:nvPr>
+        </p:nvSpPr>
+        <p:spPr/>
+        <p:txBody>
+          <a:bodyPr/>
+          <a:lstStyle/>
+          <a:p>
+            <a:endParaRPr lang="en-US" dirty="0"/>
+          </a:p>
+        </p:txBody>
+      </p:sp>
+      <p:sp>
+        <p:nvSpPr>
+          <p:cNvPr id="4" name="Slide Number Placeholder 3"/>
+          <p:cNvSpPr>
+            <a:spLocks noGrp="1"/>
+          </p:cNvSpPr>
+          <p:nvPr>
+            <p:ph type="sldNum" sz="quarter" idx="10"/>
+          </p:nvPr>
+        </p:nvSpPr>
+        <p:spPr/>
+        <p:txBody>
+          <a:bodyPr/>
+          <a:lstStyle/>
+          <a:p>
+            <a:fld id="{3BE3DC07-12DA-4907-B68D-C6D54C5EA421}" type="slidenum">
+              <a:rPr lang="en-US" smtClean="0"/>
+              <a:t>31</a:t>
+            </a:fld>
+            <a:endParaRPr lang="en-US"/>
+          </a:p>
+        </p:txBody>
+      </p:sp>
+    </p:spTree>
+    <p:extLst>
+      <p:ext uri="{BB962C8B-B14F-4D97-AF65-F5344CB8AC3E}">
+        <p14:creationId xmlns:p14="http://schemas.microsoft.com/office/powerpoint/2010/main" val="2593205200"/>
+      </p:ext>
+    </p:extLst>
+  </p:cSld>
+  <p:clrMapOvr>
+    <a:masterClrMapping/>
+  </p:clrMapOvr>
+</p:notes>
+</file>
+
+<file path=ppt/notesSlides/notesSlide19.xml><?xml version="1.0" encoding="utf-8"?>
+<p:notes xmlns:a="http://schemas.openxmlformats.org/drawingml/2006/main" xmlns:r="http://schemas.openxmlformats.org/officeDocument/2006/relationships" xmlns:p="http://schemas.openxmlformats.org/presentationml/2006/main">
+  <p:cSld>
+    <p:spTree>
+      <p:nvGrpSpPr>
+        <p:cNvPr id="1" name=""/>
+        <p:cNvGrpSpPr/>
+        <p:nvPr/>
+      </p:nvGrpSpPr>
+      <p:grpSpPr>
+        <a:xfrm>
+          <a:off x="0" y="0"/>
+          <a:ext cx="0" cy="0"/>
+          <a:chOff x="0" y="0"/>
+          <a:chExt cx="0" cy="0"/>
+        </a:xfrm>
+      </p:grpSpPr>
+      <p:sp>
+        <p:nvSpPr>
+          <p:cNvPr id="2" name="Slide Image Placeholder 1"/>
+          <p:cNvSpPr>
+            <a:spLocks noGrp="1" noRot="1" noChangeAspect="1"/>
+          </p:cNvSpPr>
+          <p:nvPr>
+            <p:ph type="sldImg"/>
+          </p:nvPr>
+        </p:nvSpPr>
+        <p:spPr/>
+      </p:sp>
+      <p:sp>
+        <p:nvSpPr>
+          <p:cNvPr id="3" name="Notes Placeholder 2"/>
+          <p:cNvSpPr>
+            <a:spLocks noGrp="1"/>
+          </p:cNvSpPr>
+          <p:nvPr>
+            <p:ph type="body" idx="1"/>
+          </p:nvPr>
+        </p:nvSpPr>
+        <p:spPr/>
+        <p:txBody>
+          <a:bodyPr/>
+          <a:lstStyle/>
+          <a:p>
+            <a:endParaRPr lang="en-US" dirty="0"/>
+          </a:p>
+        </p:txBody>
+      </p:sp>
+      <p:sp>
+        <p:nvSpPr>
+          <p:cNvPr id="4" name="Slide Number Placeholder 3"/>
+          <p:cNvSpPr>
+            <a:spLocks noGrp="1"/>
+          </p:cNvSpPr>
+          <p:nvPr>
+            <p:ph type="sldNum" sz="quarter" idx="10"/>
+          </p:nvPr>
+        </p:nvSpPr>
+        <p:spPr/>
+        <p:txBody>
+          <a:bodyPr/>
+          <a:lstStyle/>
+          <a:p>
+            <a:fld id="{3BE3DC07-12DA-4907-B68D-C6D54C5EA421}" type="slidenum">
+              <a:rPr lang="en-US" smtClean="0"/>
+              <a:t>32</a:t>
+            </a:fld>
+            <a:endParaRPr lang="en-US"/>
+          </a:p>
+        </p:txBody>
+      </p:sp>
+    </p:spTree>
+    <p:extLst>
+      <p:ext uri="{BB962C8B-B14F-4D97-AF65-F5344CB8AC3E}">
+        <p14:creationId xmlns:p14="http://schemas.microsoft.com/office/powerpoint/2010/main" val="2593205200"/>
+      </p:ext>
+    </p:extLst>
+  </p:cSld>
+  <p:clrMapOvr>
+    <a:masterClrMapping/>
+  </p:clrMapOvr>
+</p:notes>
+</file>
+
 <file path=ppt/notesSlides/notesSlide2.xml><?xml version="1.0" encoding="utf-8"?>
 <p:notes xmlns:a="http://schemas.openxmlformats.org/drawingml/2006/main" xmlns:r="http://schemas.openxmlformats.org/officeDocument/2006/relationships" xmlns:p="http://schemas.openxmlformats.org/presentationml/2006/main">
   <p:cSld>
@@ -1706,7 +2763,7 @@
           <a:p>
             <a:fld id="{24ACE2F6-C757-45E7-996E-C6026A719188}" type="datetimeFigureOut">
               <a:rPr lang="en-US" smtClean="0"/>
-              <a:t>13-Jul-17</a:t>
+              <a:t>14-Jul-17</a:t>
             </a:fld>
             <a:endParaRPr lang="en-US"/>
           </a:p>
@@ -1876,7 +2933,7 @@
           <a:p>
             <a:fld id="{24ACE2F6-C757-45E7-996E-C6026A719188}" type="datetimeFigureOut">
               <a:rPr lang="en-US" smtClean="0"/>
-              <a:t>13-Jul-17</a:t>
+              <a:t>14-Jul-17</a:t>
             </a:fld>
             <a:endParaRPr lang="en-US"/>
           </a:p>
@@ -2056,7 +3113,7 @@
           <a:p>
             <a:fld id="{24ACE2F6-C757-45E7-996E-C6026A719188}" type="datetimeFigureOut">
               <a:rPr lang="en-US" smtClean="0"/>
-              <a:t>13-Jul-17</a:t>
+              <a:t>14-Jul-17</a:t>
             </a:fld>
             <a:endParaRPr lang="en-US"/>
           </a:p>
@@ -2226,7 +3283,7 @@
           <a:p>
             <a:fld id="{24ACE2F6-C757-45E7-996E-C6026A719188}" type="datetimeFigureOut">
               <a:rPr lang="en-US" smtClean="0"/>
-              <a:t>13-Jul-17</a:t>
+              <a:t>14-Jul-17</a:t>
             </a:fld>
             <a:endParaRPr lang="en-US"/>
           </a:p>
@@ -2472,7 +3529,7 @@
           <a:p>
             <a:fld id="{24ACE2F6-C757-45E7-996E-C6026A719188}" type="datetimeFigureOut">
               <a:rPr lang="en-US" smtClean="0"/>
-              <a:t>13-Jul-17</a:t>
+              <a:t>14-Jul-17</a:t>
             </a:fld>
             <a:endParaRPr lang="en-US"/>
           </a:p>
@@ -2760,7 +3817,7 @@
           <a:p>
             <a:fld id="{24ACE2F6-C757-45E7-996E-C6026A719188}" type="datetimeFigureOut">
               <a:rPr lang="en-US" smtClean="0"/>
-              <a:t>13-Jul-17</a:t>
+              <a:t>14-Jul-17</a:t>
             </a:fld>
             <a:endParaRPr lang="en-US"/>
           </a:p>
@@ -3182,7 +4239,7 @@
           <a:p>
             <a:fld id="{24ACE2F6-C757-45E7-996E-C6026A719188}" type="datetimeFigureOut">
               <a:rPr lang="en-US" smtClean="0"/>
-              <a:t>13-Jul-17</a:t>
+              <a:t>14-Jul-17</a:t>
             </a:fld>
             <a:endParaRPr lang="en-US"/>
           </a:p>
@@ -3300,7 +4357,7 @@
           <a:p>
             <a:fld id="{24ACE2F6-C757-45E7-996E-C6026A719188}" type="datetimeFigureOut">
               <a:rPr lang="en-US" smtClean="0"/>
-              <a:t>13-Jul-17</a:t>
+              <a:t>14-Jul-17</a:t>
             </a:fld>
             <a:endParaRPr lang="en-US"/>
           </a:p>
@@ -3395,7 +4452,7 @@
           <a:p>
             <a:fld id="{24ACE2F6-C757-45E7-996E-C6026A719188}" type="datetimeFigureOut">
               <a:rPr lang="en-US" smtClean="0"/>
-              <a:t>13-Jul-17</a:t>
+              <a:t>14-Jul-17</a:t>
             </a:fld>
             <a:endParaRPr lang="en-US"/>
           </a:p>
@@ -3672,7 +4729,7 @@
           <a:p>
             <a:fld id="{24ACE2F6-C757-45E7-996E-C6026A719188}" type="datetimeFigureOut">
               <a:rPr lang="en-US" smtClean="0"/>
-              <a:t>13-Jul-17</a:t>
+              <a:t>14-Jul-17</a:t>
             </a:fld>
             <a:endParaRPr lang="en-US"/>
           </a:p>
@@ -3925,7 +4982,7 @@
           <a:p>
             <a:fld id="{24ACE2F6-C757-45E7-996E-C6026A719188}" type="datetimeFigureOut">
               <a:rPr lang="en-US" smtClean="0"/>
-              <a:t>13-Jul-17</a:t>
+              <a:t>14-Jul-17</a:t>
             </a:fld>
             <a:endParaRPr lang="en-US"/>
           </a:p>
@@ -4138,7 +5195,7 @@
           <a:p>
             <a:fld id="{24ACE2F6-C757-45E7-996E-C6026A719188}" type="datetimeFigureOut">
               <a:rPr lang="en-US" smtClean="0"/>
-              <a:t>13-Jul-17</a:t>
+              <a:t>14-Jul-17</a:t>
             </a:fld>
             <a:endParaRPr lang="en-US"/>
           </a:p>
@@ -5705,11 +6762,7 @@
             </a:pPr>
             <a:r>
               <a:rPr lang="en-US" dirty="0" smtClean="0"/>
-              <a:t>modified               staged</a:t>
-            </a:r>
-            <a:r>
-              <a:rPr lang="en-US" dirty="0" smtClean="0"/>
-              <a:t>              committed</a:t>
+              <a:t>modified               staged              committed</a:t>
             </a:r>
             <a:br>
               <a:rPr lang="en-US" dirty="0" smtClean="0"/>
@@ -5727,11 +6780,7 @@
             </a:r>
             <a:r>
               <a:rPr lang="en-US" dirty="0" smtClean="0"/>
-              <a:t>      </a:t>
-            </a:r>
-            <a:r>
-              <a:rPr lang="en-US" dirty="0" smtClean="0"/>
-              <a:t>^ Stages that a file can exist in </a:t>
+              <a:t>      ^ Stages that a file can exist in </a:t>
             </a:r>
             <a:r>
               <a:rPr lang="en-US" dirty="0" err="1" smtClean="0"/>
@@ -5839,11 +6888,7 @@
             </a:pPr>
             <a:r>
               <a:rPr lang="en-US" dirty="0" smtClean="0"/>
-              <a:t>modified               staged</a:t>
-            </a:r>
-            <a:r>
-              <a:rPr lang="en-US" dirty="0" smtClean="0"/>
-              <a:t>              committed</a:t>
+              <a:t>modified               staged              committed</a:t>
             </a:r>
             <a:br>
               <a:rPr lang="en-US" dirty="0" smtClean="0"/>
@@ -5861,11 +6906,7 @@
             </a:r>
             <a:r>
               <a:rPr lang="en-US" dirty="0" smtClean="0"/>
-              <a:t>      </a:t>
-            </a:r>
-            <a:r>
-              <a:rPr lang="en-US" dirty="0" smtClean="0"/>
-              <a:t>^ Stages that a file can exist in </a:t>
+              <a:t>      ^ Stages that a file can exist in </a:t>
             </a:r>
             <a:r>
               <a:rPr lang="en-US" dirty="0" err="1" smtClean="0"/>
@@ -5997,11 +7038,7 @@
             </a:pPr>
             <a:r>
               <a:rPr lang="en-US" dirty="0" smtClean="0"/>
-              <a:t>modified               staged</a:t>
-            </a:r>
-            <a:r>
-              <a:rPr lang="en-US" dirty="0" smtClean="0"/>
-              <a:t>              committed</a:t>
+              <a:t>modified               staged              committed</a:t>
             </a:r>
             <a:br>
               <a:rPr lang="en-US" dirty="0" smtClean="0"/>
@@ -6019,11 +7056,7 @@
             </a:r>
             <a:r>
               <a:rPr lang="en-US" dirty="0" smtClean="0"/>
-              <a:t>      </a:t>
-            </a:r>
-            <a:r>
-              <a:rPr lang="en-US" dirty="0" smtClean="0"/>
-              <a:t>^ Stages that a file can exist in </a:t>
+              <a:t>      ^ Stages that a file can exist in </a:t>
             </a:r>
             <a:r>
               <a:rPr lang="en-US" dirty="0" err="1" smtClean="0"/>
@@ -6290,11 +7323,7 @@
             </a:pPr>
             <a:r>
               <a:rPr lang="en-US" dirty="0" smtClean="0"/>
-              <a:t>modified               staged</a:t>
-            </a:r>
-            <a:r>
-              <a:rPr lang="en-US" dirty="0" smtClean="0"/>
-              <a:t>              committed</a:t>
+              <a:t>modified               staged              committed</a:t>
             </a:r>
             <a:br>
               <a:rPr lang="en-US" dirty="0" smtClean="0"/>
@@ -6312,11 +7341,7 @@
             </a:r>
             <a:r>
               <a:rPr lang="en-US" dirty="0" smtClean="0"/>
-              <a:t>      </a:t>
-            </a:r>
-            <a:r>
-              <a:rPr lang="en-US" dirty="0" smtClean="0"/>
-              <a:t>^ Stages that a file can exist in </a:t>
+              <a:t>      ^ Stages that a file can exist in </a:t>
             </a:r>
             <a:r>
               <a:rPr lang="en-US" dirty="0" err="1" smtClean="0"/>
@@ -6916,7 +7941,6 @@
               <a:rPr lang="en-US" dirty="0" smtClean="0"/>
               <a:t>	</a:t>
             </a:r>
-            <a:endParaRPr lang="en-US" dirty="0" smtClean="0"/>
           </a:p>
           <a:p>
             <a:pPr marL="0" indent="0">
@@ -7900,6 +8924,1226 @@
 </p:sld>
 </file>
 
+<file path=ppt/slides/slide23.xml><?xml version="1.0" encoding="utf-8"?>
+<p:sld xmlns:a="http://schemas.openxmlformats.org/drawingml/2006/main" xmlns:r="http://schemas.openxmlformats.org/officeDocument/2006/relationships" xmlns:p="http://schemas.openxmlformats.org/presentationml/2006/main">
+  <p:cSld>
+    <p:spTree>
+      <p:nvGrpSpPr>
+        <p:cNvPr id="1" name=""/>
+        <p:cNvGrpSpPr/>
+        <p:nvPr/>
+      </p:nvGrpSpPr>
+      <p:grpSpPr>
+        <a:xfrm>
+          <a:off x="0" y="0"/>
+          <a:ext cx="0" cy="0"/>
+          <a:chOff x="0" y="0"/>
+          <a:chExt cx="0" cy="0"/>
+        </a:xfrm>
+      </p:grpSpPr>
+      <p:sp>
+        <p:nvSpPr>
+          <p:cNvPr id="2" name="Title 1"/>
+          <p:cNvSpPr>
+            <a:spLocks noGrp="1"/>
+          </p:cNvSpPr>
+          <p:nvPr>
+            <p:ph type="title"/>
+          </p:nvPr>
+        </p:nvSpPr>
+        <p:spPr>
+          <a:xfrm>
+            <a:off x="457200" y="6927"/>
+            <a:ext cx="8229600" cy="1143000"/>
+          </a:xfrm>
+        </p:spPr>
+        <p:txBody>
+          <a:bodyPr>
+            <a:normAutofit/>
+          </a:bodyPr>
+          <a:lstStyle/>
+          <a:p>
+            <a:r>
+              <a:rPr lang="en-US" dirty="0" smtClean="0"/>
+              <a:t>Viewing history in </a:t>
+            </a:r>
+            <a:r>
+              <a:rPr lang="en-US" dirty="0" err="1" smtClean="0"/>
+              <a:t>Git</a:t>
+            </a:r>
+            <a:endParaRPr lang="en-US" dirty="0"/>
+          </a:p>
+        </p:txBody>
+      </p:sp>
+      <p:sp>
+        <p:nvSpPr>
+          <p:cNvPr id="3" name="Content Placeholder 2"/>
+          <p:cNvSpPr>
+            <a:spLocks noGrp="1"/>
+          </p:cNvSpPr>
+          <p:nvPr>
+            <p:ph idx="1"/>
+          </p:nvPr>
+        </p:nvSpPr>
+        <p:spPr/>
+        <p:txBody>
+          <a:bodyPr>
+            <a:normAutofit/>
+          </a:bodyPr>
+          <a:lstStyle/>
+          <a:p>
+            <a:pPr marL="0" indent="0">
+              <a:buNone/>
+            </a:pPr>
+            <a:r>
+              <a:rPr lang="en-US" dirty="0" err="1" smtClean="0">
+                <a:latin typeface="Consolas" panose="020B0609020204030204" pitchFamily="49" charset="0"/>
+              </a:rPr>
+              <a:t>git</a:t>
+            </a:r>
+            <a:r>
+              <a:rPr lang="en-US" dirty="0" smtClean="0">
+                <a:latin typeface="Consolas" panose="020B0609020204030204" pitchFamily="49" charset="0"/>
+              </a:rPr>
+              <a:t> log</a:t>
+            </a:r>
+          </a:p>
+          <a:p>
+            <a:pPr marL="0" indent="0">
+              <a:buNone/>
+            </a:pPr>
+            <a:endParaRPr lang="en-US" dirty="0" smtClean="0"/>
+          </a:p>
+        </p:txBody>
+      </p:sp>
+    </p:spTree>
+    <p:extLst>
+      <p:ext uri="{BB962C8B-B14F-4D97-AF65-F5344CB8AC3E}">
+        <p14:creationId xmlns:p14="http://schemas.microsoft.com/office/powerpoint/2010/main" val="2377805966"/>
+      </p:ext>
+    </p:extLst>
+  </p:cSld>
+  <p:clrMapOvr>
+    <a:masterClrMapping/>
+  </p:clrMapOvr>
+  <p:timing>
+    <p:tnLst>
+      <p:par>
+        <p:cTn id="1" dur="indefinite" restart="never" nodeType="tmRoot"/>
+      </p:par>
+    </p:tnLst>
+  </p:timing>
+</p:sld>
+</file>
+
+<file path=ppt/slides/slide24.xml><?xml version="1.0" encoding="utf-8"?>
+<p:sld xmlns:a="http://schemas.openxmlformats.org/drawingml/2006/main" xmlns:r="http://schemas.openxmlformats.org/officeDocument/2006/relationships" xmlns:p="http://schemas.openxmlformats.org/presentationml/2006/main">
+  <p:cSld>
+    <p:spTree>
+      <p:nvGrpSpPr>
+        <p:cNvPr id="1" name=""/>
+        <p:cNvGrpSpPr/>
+        <p:nvPr/>
+      </p:nvGrpSpPr>
+      <p:grpSpPr>
+        <a:xfrm>
+          <a:off x="0" y="0"/>
+          <a:ext cx="0" cy="0"/>
+          <a:chOff x="0" y="0"/>
+          <a:chExt cx="0" cy="0"/>
+        </a:xfrm>
+      </p:grpSpPr>
+      <p:sp>
+        <p:nvSpPr>
+          <p:cNvPr id="2" name="Title 1"/>
+          <p:cNvSpPr>
+            <a:spLocks noGrp="1"/>
+          </p:cNvSpPr>
+          <p:nvPr>
+            <p:ph type="title"/>
+          </p:nvPr>
+        </p:nvSpPr>
+        <p:spPr>
+          <a:xfrm>
+            <a:off x="457200" y="6927"/>
+            <a:ext cx="8229600" cy="1143000"/>
+          </a:xfrm>
+        </p:spPr>
+        <p:txBody>
+          <a:bodyPr>
+            <a:normAutofit/>
+          </a:bodyPr>
+          <a:lstStyle/>
+          <a:p>
+            <a:r>
+              <a:rPr lang="en-US" dirty="0" smtClean="0"/>
+              <a:t>Undoing things</a:t>
+            </a:r>
+            <a:endParaRPr lang="en-US" dirty="0"/>
+          </a:p>
+        </p:txBody>
+      </p:sp>
+      <p:sp>
+        <p:nvSpPr>
+          <p:cNvPr id="3" name="Content Placeholder 2"/>
+          <p:cNvSpPr>
+            <a:spLocks noGrp="1"/>
+          </p:cNvSpPr>
+          <p:nvPr>
+            <p:ph idx="1"/>
+          </p:nvPr>
+        </p:nvSpPr>
+        <p:spPr/>
+        <p:txBody>
+          <a:bodyPr>
+            <a:normAutofit lnSpcReduction="10000"/>
+          </a:bodyPr>
+          <a:lstStyle/>
+          <a:p>
+            <a:pPr marL="0" indent="0">
+              <a:buNone/>
+            </a:pPr>
+            <a:r>
+              <a:rPr lang="en-US" i="1" dirty="0" smtClean="0"/>
+              <a:t>To amend previous commit</a:t>
+            </a:r>
+            <a:r>
+              <a:rPr lang="en-US" dirty="0" smtClean="0"/>
+              <a:t/>
+            </a:r>
+            <a:br>
+              <a:rPr lang="en-US" dirty="0" smtClean="0"/>
+            </a:br>
+            <a:r>
+              <a:rPr lang="en-US" dirty="0" err="1" smtClean="0">
+                <a:latin typeface="Consolas" panose="020B0609020204030204" pitchFamily="49" charset="0"/>
+              </a:rPr>
+              <a:t>git</a:t>
+            </a:r>
+            <a:r>
+              <a:rPr lang="en-US" dirty="0" smtClean="0">
+                <a:latin typeface="Consolas" panose="020B0609020204030204" pitchFamily="49" charset="0"/>
+              </a:rPr>
+              <a:t> commit --amend</a:t>
+            </a:r>
+          </a:p>
+          <a:p>
+            <a:pPr marL="0" indent="0">
+              <a:buNone/>
+            </a:pPr>
+            <a:endParaRPr lang="en-US" dirty="0"/>
+          </a:p>
+          <a:p>
+            <a:pPr marL="0" indent="0">
+              <a:buNone/>
+            </a:pPr>
+            <a:r>
+              <a:rPr lang="en-US" i="1" dirty="0" smtClean="0"/>
+              <a:t>To </a:t>
+            </a:r>
+            <a:r>
+              <a:rPr lang="en-US" i="1" dirty="0" err="1" smtClean="0"/>
+              <a:t>unstage</a:t>
+            </a:r>
+            <a:endParaRPr lang="en-US" i="1" dirty="0"/>
+          </a:p>
+          <a:p>
+            <a:pPr marL="0" indent="0">
+              <a:buNone/>
+            </a:pPr>
+            <a:r>
+              <a:rPr lang="en-US" dirty="0" err="1">
+                <a:latin typeface="Consolas" panose="020B0609020204030204" pitchFamily="49" charset="0"/>
+              </a:rPr>
+              <a:t>g</a:t>
+            </a:r>
+            <a:r>
+              <a:rPr lang="en-US" dirty="0" err="1" smtClean="0">
+                <a:latin typeface="Consolas" panose="020B0609020204030204" pitchFamily="49" charset="0"/>
+              </a:rPr>
+              <a:t>it</a:t>
+            </a:r>
+            <a:r>
+              <a:rPr lang="en-US" dirty="0" smtClean="0">
+                <a:latin typeface="Consolas" panose="020B0609020204030204" pitchFamily="49" charset="0"/>
+              </a:rPr>
+              <a:t> reset HEAD &lt;file&gt;</a:t>
+            </a:r>
+          </a:p>
+          <a:p>
+            <a:pPr marL="0" indent="0">
+              <a:buNone/>
+            </a:pPr>
+            <a:endParaRPr lang="en-US" dirty="0" smtClean="0"/>
+          </a:p>
+          <a:p>
+            <a:pPr marL="0" indent="0">
+              <a:buNone/>
+            </a:pPr>
+            <a:r>
+              <a:rPr lang="en-US" i="1" dirty="0" smtClean="0"/>
+              <a:t>To discard a modified file</a:t>
+            </a:r>
+            <a:endParaRPr lang="en-US" i="1" dirty="0"/>
+          </a:p>
+          <a:p>
+            <a:pPr marL="0" indent="0">
+              <a:buNone/>
+            </a:pPr>
+            <a:r>
+              <a:rPr lang="en-US" dirty="0" err="1">
+                <a:latin typeface="Consolas" panose="020B0609020204030204" pitchFamily="49" charset="0"/>
+              </a:rPr>
+              <a:t>g</a:t>
+            </a:r>
+            <a:r>
+              <a:rPr lang="en-US" dirty="0" err="1" smtClean="0">
+                <a:latin typeface="Consolas" panose="020B0609020204030204" pitchFamily="49" charset="0"/>
+              </a:rPr>
+              <a:t>it</a:t>
+            </a:r>
+            <a:r>
+              <a:rPr lang="en-US" dirty="0" smtClean="0">
+                <a:latin typeface="Consolas" panose="020B0609020204030204" pitchFamily="49" charset="0"/>
+              </a:rPr>
+              <a:t> checkout -- &lt;file&gt;</a:t>
+            </a:r>
+            <a:endParaRPr lang="en-US" dirty="0" smtClean="0">
+              <a:latin typeface="Consolas" panose="020B0609020204030204" pitchFamily="49" charset="0"/>
+            </a:endParaRPr>
+          </a:p>
+        </p:txBody>
+      </p:sp>
+    </p:spTree>
+    <p:extLst>
+      <p:ext uri="{BB962C8B-B14F-4D97-AF65-F5344CB8AC3E}">
+        <p14:creationId xmlns:p14="http://schemas.microsoft.com/office/powerpoint/2010/main" val="3341167013"/>
+      </p:ext>
+    </p:extLst>
+  </p:cSld>
+  <p:clrMapOvr>
+    <a:masterClrMapping/>
+  </p:clrMapOvr>
+  <p:timing>
+    <p:tnLst>
+      <p:par>
+        <p:cTn id="1" dur="indefinite" restart="never" nodeType="tmRoot"/>
+      </p:par>
+    </p:tnLst>
+  </p:timing>
+</p:sld>
+</file>
+
+<file path=ppt/slides/slide25.xml><?xml version="1.0" encoding="utf-8"?>
+<p:sld xmlns:a="http://schemas.openxmlformats.org/drawingml/2006/main" xmlns:r="http://schemas.openxmlformats.org/officeDocument/2006/relationships" xmlns:p="http://schemas.openxmlformats.org/presentationml/2006/main">
+  <p:cSld>
+    <p:spTree>
+      <p:nvGrpSpPr>
+        <p:cNvPr id="1" name=""/>
+        <p:cNvGrpSpPr/>
+        <p:nvPr/>
+      </p:nvGrpSpPr>
+      <p:grpSpPr>
+        <a:xfrm>
+          <a:off x="0" y="0"/>
+          <a:ext cx="0" cy="0"/>
+          <a:chOff x="0" y="0"/>
+          <a:chExt cx="0" cy="0"/>
+        </a:xfrm>
+      </p:grpSpPr>
+      <p:sp>
+        <p:nvSpPr>
+          <p:cNvPr id="2" name="Title 1"/>
+          <p:cNvSpPr>
+            <a:spLocks noGrp="1"/>
+          </p:cNvSpPr>
+          <p:nvPr>
+            <p:ph type="title"/>
+          </p:nvPr>
+        </p:nvSpPr>
+        <p:spPr>
+          <a:xfrm>
+            <a:off x="457200" y="6927"/>
+            <a:ext cx="8229600" cy="1143000"/>
+          </a:xfrm>
+        </p:spPr>
+        <p:txBody>
+          <a:bodyPr>
+            <a:normAutofit/>
+          </a:bodyPr>
+          <a:lstStyle/>
+          <a:p>
+            <a:r>
+              <a:rPr lang="en-US" dirty="0" smtClean="0"/>
+              <a:t>Working with Remotes</a:t>
+            </a:r>
+            <a:endParaRPr lang="en-US" dirty="0"/>
+          </a:p>
+        </p:txBody>
+      </p:sp>
+      <p:sp>
+        <p:nvSpPr>
+          <p:cNvPr id="3" name="Content Placeholder 2"/>
+          <p:cNvSpPr>
+            <a:spLocks noGrp="1"/>
+          </p:cNvSpPr>
+          <p:nvPr>
+            <p:ph idx="1"/>
+          </p:nvPr>
+        </p:nvSpPr>
+        <p:spPr/>
+        <p:txBody>
+          <a:bodyPr>
+            <a:normAutofit fontScale="92500"/>
+          </a:bodyPr>
+          <a:lstStyle/>
+          <a:p>
+            <a:pPr marL="0" indent="0">
+              <a:buNone/>
+            </a:pPr>
+            <a:r>
+              <a:rPr lang="en-US" dirty="0" err="1" smtClean="0">
+                <a:latin typeface="Consolas" panose="020B0609020204030204" pitchFamily="49" charset="0"/>
+              </a:rPr>
+              <a:t>git</a:t>
+            </a:r>
+            <a:r>
+              <a:rPr lang="en-US" dirty="0" smtClean="0">
+                <a:latin typeface="Consolas" panose="020B0609020204030204" pitchFamily="49" charset="0"/>
+              </a:rPr>
+              <a:t> remote [-v]</a:t>
+            </a:r>
+          </a:p>
+          <a:p>
+            <a:pPr marL="0" indent="0">
+              <a:buNone/>
+            </a:pPr>
+            <a:r>
+              <a:rPr lang="en-IN" dirty="0" smtClean="0">
+                <a:latin typeface="Consolas" panose="020B0609020204030204" pitchFamily="49" charset="0"/>
+              </a:rPr>
+              <a:t>git </a:t>
+            </a:r>
+            <a:r>
+              <a:rPr lang="en-IN" dirty="0">
+                <a:latin typeface="Consolas" panose="020B0609020204030204" pitchFamily="49" charset="0"/>
+              </a:rPr>
+              <a:t>remote add &lt;</a:t>
+            </a:r>
+            <a:r>
+              <a:rPr lang="en-IN" dirty="0" err="1">
+                <a:latin typeface="Consolas" panose="020B0609020204030204" pitchFamily="49" charset="0"/>
+              </a:rPr>
+              <a:t>shortname</a:t>
+            </a:r>
+            <a:r>
+              <a:rPr lang="en-IN" dirty="0">
+                <a:latin typeface="Consolas" panose="020B0609020204030204" pitchFamily="49" charset="0"/>
+              </a:rPr>
+              <a:t>&gt; &lt;</a:t>
+            </a:r>
+            <a:r>
+              <a:rPr lang="en-IN" dirty="0" err="1">
+                <a:latin typeface="Consolas" panose="020B0609020204030204" pitchFamily="49" charset="0"/>
+              </a:rPr>
+              <a:t>url</a:t>
+            </a:r>
+            <a:r>
+              <a:rPr lang="en-IN" dirty="0" smtClean="0">
+                <a:latin typeface="Consolas" panose="020B0609020204030204" pitchFamily="49" charset="0"/>
+              </a:rPr>
+              <a:t>&gt;</a:t>
+            </a:r>
+          </a:p>
+          <a:p>
+            <a:pPr marL="0" indent="0">
+              <a:buNone/>
+            </a:pPr>
+            <a:r>
+              <a:rPr lang="en-IN" dirty="0">
+                <a:latin typeface="Consolas" panose="020B0609020204030204" pitchFamily="49" charset="0"/>
+              </a:rPr>
+              <a:t>g</a:t>
+            </a:r>
+            <a:r>
+              <a:rPr lang="en-IN" dirty="0" smtClean="0">
+                <a:latin typeface="Consolas" panose="020B0609020204030204" pitchFamily="49" charset="0"/>
+              </a:rPr>
+              <a:t>it fetch &lt;</a:t>
+            </a:r>
+            <a:r>
+              <a:rPr lang="en-IN" dirty="0" err="1" smtClean="0">
+                <a:latin typeface="Consolas" panose="020B0609020204030204" pitchFamily="49" charset="0"/>
+              </a:rPr>
+              <a:t>remotename</a:t>
+            </a:r>
+            <a:r>
+              <a:rPr lang="en-IN" dirty="0" smtClean="0">
+                <a:latin typeface="Consolas" panose="020B0609020204030204" pitchFamily="49" charset="0"/>
+              </a:rPr>
+              <a:t>&gt;</a:t>
+            </a:r>
+          </a:p>
+          <a:p>
+            <a:pPr marL="0" indent="0">
+              <a:buNone/>
+            </a:pPr>
+            <a:r>
+              <a:rPr lang="en-US" dirty="0" err="1">
+                <a:latin typeface="Consolas" panose="020B0609020204030204" pitchFamily="49" charset="0"/>
+              </a:rPr>
+              <a:t>g</a:t>
+            </a:r>
+            <a:r>
+              <a:rPr lang="en-US" dirty="0" err="1" smtClean="0">
+                <a:latin typeface="Consolas" panose="020B0609020204030204" pitchFamily="49" charset="0"/>
+              </a:rPr>
+              <a:t>it</a:t>
+            </a:r>
+            <a:r>
+              <a:rPr lang="en-US" dirty="0" smtClean="0">
+                <a:latin typeface="Consolas" panose="020B0609020204030204" pitchFamily="49" charset="0"/>
+              </a:rPr>
+              <a:t> pull // = </a:t>
+            </a:r>
+            <a:r>
+              <a:rPr lang="en-US" dirty="0" err="1" smtClean="0">
+                <a:latin typeface="Consolas" panose="020B0609020204030204" pitchFamily="49" charset="0"/>
+              </a:rPr>
+              <a:t>fetch+merge</a:t>
+            </a:r>
+            <a:r>
+              <a:rPr lang="en-US" dirty="0" smtClean="0">
+                <a:latin typeface="Consolas" panose="020B0609020204030204" pitchFamily="49" charset="0"/>
+              </a:rPr>
+              <a:t> from remote</a:t>
+            </a:r>
+          </a:p>
+          <a:p>
+            <a:pPr marL="0" indent="0">
+              <a:buNone/>
+            </a:pPr>
+            <a:r>
+              <a:rPr lang="en-US" dirty="0" err="1">
+                <a:latin typeface="Consolas" panose="020B0609020204030204" pitchFamily="49" charset="0"/>
+              </a:rPr>
+              <a:t>git</a:t>
+            </a:r>
+            <a:r>
+              <a:rPr lang="en-US" dirty="0">
+                <a:latin typeface="Consolas" panose="020B0609020204030204" pitchFamily="49" charset="0"/>
+              </a:rPr>
+              <a:t> push [remote-name] [branch-name</a:t>
+            </a:r>
+            <a:r>
+              <a:rPr lang="en-US" dirty="0" smtClean="0">
+                <a:latin typeface="Consolas" panose="020B0609020204030204" pitchFamily="49" charset="0"/>
+              </a:rPr>
+              <a:t>]</a:t>
+            </a:r>
+          </a:p>
+          <a:p>
+            <a:pPr marL="0" indent="0">
+              <a:buNone/>
+            </a:pPr>
+            <a:r>
+              <a:rPr lang="en-US" dirty="0" err="1">
+                <a:latin typeface="Consolas" panose="020B0609020204030204" pitchFamily="49" charset="0"/>
+              </a:rPr>
+              <a:t>g</a:t>
+            </a:r>
+            <a:r>
+              <a:rPr lang="en-US" dirty="0" err="1" smtClean="0">
+                <a:latin typeface="Consolas" panose="020B0609020204030204" pitchFamily="49" charset="0"/>
+              </a:rPr>
+              <a:t>it</a:t>
+            </a:r>
+            <a:r>
+              <a:rPr lang="en-US" dirty="0" smtClean="0">
+                <a:latin typeface="Consolas" panose="020B0609020204030204" pitchFamily="49" charset="0"/>
+              </a:rPr>
+              <a:t> remote show &lt;</a:t>
+            </a:r>
+            <a:r>
+              <a:rPr lang="en-US" dirty="0" err="1" smtClean="0">
+                <a:latin typeface="Consolas" panose="020B0609020204030204" pitchFamily="49" charset="0"/>
+              </a:rPr>
+              <a:t>remotename</a:t>
+            </a:r>
+            <a:r>
+              <a:rPr lang="en-US" dirty="0">
+                <a:latin typeface="Consolas" panose="020B0609020204030204" pitchFamily="49" charset="0"/>
+              </a:rPr>
+              <a:t>&gt;</a:t>
+            </a:r>
+            <a:endParaRPr lang="en-US" dirty="0" smtClean="0">
+              <a:latin typeface="Consolas" panose="020B0609020204030204" pitchFamily="49" charset="0"/>
+            </a:endParaRPr>
+          </a:p>
+          <a:p>
+            <a:pPr marL="0" indent="0">
+              <a:buNone/>
+            </a:pPr>
+            <a:r>
+              <a:rPr lang="en-US" dirty="0" err="1">
+                <a:latin typeface="Consolas" panose="020B0609020204030204" pitchFamily="49" charset="0"/>
+              </a:rPr>
+              <a:t>g</a:t>
+            </a:r>
+            <a:r>
+              <a:rPr lang="en-US" dirty="0" err="1" smtClean="0">
+                <a:latin typeface="Consolas" panose="020B0609020204030204" pitchFamily="49" charset="0"/>
+              </a:rPr>
+              <a:t>it</a:t>
+            </a:r>
+            <a:r>
+              <a:rPr lang="en-US" dirty="0" smtClean="0">
+                <a:latin typeface="Consolas" panose="020B0609020204030204" pitchFamily="49" charset="0"/>
+              </a:rPr>
+              <a:t> remote rename &lt;old&gt; &lt;new&gt;</a:t>
+            </a:r>
+          </a:p>
+          <a:p>
+            <a:pPr marL="0" indent="0">
+              <a:buNone/>
+            </a:pPr>
+            <a:r>
+              <a:rPr lang="en-US" dirty="0" err="1">
+                <a:latin typeface="Consolas" panose="020B0609020204030204" pitchFamily="49" charset="0"/>
+              </a:rPr>
+              <a:t>g</a:t>
+            </a:r>
+            <a:r>
+              <a:rPr lang="en-US" dirty="0" err="1" smtClean="0">
+                <a:latin typeface="Consolas" panose="020B0609020204030204" pitchFamily="49" charset="0"/>
+              </a:rPr>
+              <a:t>it</a:t>
+            </a:r>
+            <a:r>
+              <a:rPr lang="en-US" dirty="0" smtClean="0">
+                <a:latin typeface="Consolas" panose="020B0609020204030204" pitchFamily="49" charset="0"/>
+              </a:rPr>
+              <a:t> remote remove &lt;</a:t>
+            </a:r>
+            <a:r>
+              <a:rPr lang="en-US" dirty="0" err="1" smtClean="0">
+                <a:latin typeface="Consolas" panose="020B0609020204030204" pitchFamily="49" charset="0"/>
+              </a:rPr>
+              <a:t>remotename</a:t>
+            </a:r>
+            <a:r>
+              <a:rPr lang="en-US" dirty="0">
+                <a:latin typeface="Consolas" panose="020B0609020204030204" pitchFamily="49" charset="0"/>
+              </a:rPr>
+              <a:t>&gt;</a:t>
+            </a:r>
+            <a:endParaRPr lang="en-US" dirty="0">
+              <a:latin typeface="Consolas" panose="020B0609020204030204" pitchFamily="49" charset="0"/>
+            </a:endParaRPr>
+          </a:p>
+        </p:txBody>
+      </p:sp>
+    </p:spTree>
+    <p:extLst>
+      <p:ext uri="{BB962C8B-B14F-4D97-AF65-F5344CB8AC3E}">
+        <p14:creationId xmlns:p14="http://schemas.microsoft.com/office/powerpoint/2010/main" val="1111441809"/>
+      </p:ext>
+    </p:extLst>
+  </p:cSld>
+  <p:clrMapOvr>
+    <a:masterClrMapping/>
+  </p:clrMapOvr>
+  <p:timing>
+    <p:tnLst>
+      <p:par>
+        <p:cTn id="1" dur="indefinite" restart="never" nodeType="tmRoot"/>
+      </p:par>
+    </p:tnLst>
+  </p:timing>
+</p:sld>
+</file>
+
+<file path=ppt/slides/slide26.xml><?xml version="1.0" encoding="utf-8"?>
+<p:sld xmlns:a="http://schemas.openxmlformats.org/drawingml/2006/main" xmlns:r="http://schemas.openxmlformats.org/officeDocument/2006/relationships" xmlns:p="http://schemas.openxmlformats.org/presentationml/2006/main">
+  <p:cSld>
+    <p:spTree>
+      <p:nvGrpSpPr>
+        <p:cNvPr id="1" name=""/>
+        <p:cNvGrpSpPr/>
+        <p:nvPr/>
+      </p:nvGrpSpPr>
+      <p:grpSpPr>
+        <a:xfrm>
+          <a:off x="0" y="0"/>
+          <a:ext cx="0" cy="0"/>
+          <a:chOff x="0" y="0"/>
+          <a:chExt cx="0" cy="0"/>
+        </a:xfrm>
+      </p:grpSpPr>
+      <p:sp>
+        <p:nvSpPr>
+          <p:cNvPr id="2" name="Title 1"/>
+          <p:cNvSpPr>
+            <a:spLocks noGrp="1"/>
+          </p:cNvSpPr>
+          <p:nvPr>
+            <p:ph type="title"/>
+          </p:nvPr>
+        </p:nvSpPr>
+        <p:spPr>
+          <a:xfrm>
+            <a:off x="457200" y="6927"/>
+            <a:ext cx="8229600" cy="1143000"/>
+          </a:xfrm>
+        </p:spPr>
+        <p:txBody>
+          <a:bodyPr>
+            <a:normAutofit/>
+          </a:bodyPr>
+          <a:lstStyle/>
+          <a:p>
+            <a:r>
+              <a:rPr lang="en-US" dirty="0" smtClean="0"/>
+              <a:t>Branching </a:t>
+            </a:r>
+            <a:endParaRPr lang="en-US" dirty="0"/>
+          </a:p>
+        </p:txBody>
+      </p:sp>
+      <p:sp>
+        <p:nvSpPr>
+          <p:cNvPr id="3" name="Content Placeholder 2"/>
+          <p:cNvSpPr>
+            <a:spLocks noGrp="1"/>
+          </p:cNvSpPr>
+          <p:nvPr>
+            <p:ph idx="1"/>
+          </p:nvPr>
+        </p:nvSpPr>
+        <p:spPr/>
+        <p:txBody>
+          <a:bodyPr>
+            <a:normAutofit/>
+          </a:bodyPr>
+          <a:lstStyle/>
+          <a:p>
+            <a:pPr marL="0" indent="0">
+              <a:buNone/>
+            </a:pPr>
+            <a:r>
+              <a:rPr lang="en-IN" i="1" dirty="0" smtClean="0"/>
+              <a:t>“Unlike </a:t>
+            </a:r>
+            <a:r>
+              <a:rPr lang="en-IN" i="1" dirty="0"/>
+              <a:t>many other VCSs, Git encourages workflows that branch and merge often, even multiple times in a day. Understanding and mastering this feature gives you a powerful and unique tool and can entirely change the way that you develop</a:t>
+            </a:r>
+            <a:r>
+              <a:rPr lang="en-IN" i="1" dirty="0" smtClean="0"/>
+              <a:t>.”</a:t>
+            </a:r>
+            <a:br>
+              <a:rPr lang="en-IN" i="1" dirty="0" smtClean="0"/>
+            </a:br>
+            <a:r>
+              <a:rPr lang="en-IN" i="1" dirty="0" smtClean="0"/>
+              <a:t>  -- wise words in the GIT documentation</a:t>
+            </a:r>
+            <a:endParaRPr lang="en-US" i="1" dirty="0">
+              <a:latin typeface="Consolas" panose="020B0609020204030204" pitchFamily="49" charset="0"/>
+            </a:endParaRPr>
+          </a:p>
+        </p:txBody>
+      </p:sp>
+    </p:spTree>
+    <p:extLst>
+      <p:ext uri="{BB962C8B-B14F-4D97-AF65-F5344CB8AC3E}">
+        <p14:creationId xmlns:p14="http://schemas.microsoft.com/office/powerpoint/2010/main" val="2793090395"/>
+      </p:ext>
+    </p:extLst>
+  </p:cSld>
+  <p:clrMapOvr>
+    <a:masterClrMapping/>
+  </p:clrMapOvr>
+  <p:timing>
+    <p:tnLst>
+      <p:par>
+        <p:cTn id="1" dur="indefinite" restart="never" nodeType="tmRoot"/>
+      </p:par>
+    </p:tnLst>
+  </p:timing>
+</p:sld>
+</file>
+
+<file path=ppt/slides/slide27.xml><?xml version="1.0" encoding="utf-8"?>
+<p:sld xmlns:a="http://schemas.openxmlformats.org/drawingml/2006/main" xmlns:r="http://schemas.openxmlformats.org/officeDocument/2006/relationships" xmlns:p="http://schemas.openxmlformats.org/presentationml/2006/main">
+  <p:cSld>
+    <p:spTree>
+      <p:nvGrpSpPr>
+        <p:cNvPr id="1" name=""/>
+        <p:cNvGrpSpPr/>
+        <p:nvPr/>
+      </p:nvGrpSpPr>
+      <p:grpSpPr>
+        <a:xfrm>
+          <a:off x="0" y="0"/>
+          <a:ext cx="0" cy="0"/>
+          <a:chOff x="0" y="0"/>
+          <a:chExt cx="0" cy="0"/>
+        </a:xfrm>
+      </p:grpSpPr>
+      <p:sp>
+        <p:nvSpPr>
+          <p:cNvPr id="2" name="Title 1"/>
+          <p:cNvSpPr>
+            <a:spLocks noGrp="1"/>
+          </p:cNvSpPr>
+          <p:nvPr>
+            <p:ph type="title"/>
+          </p:nvPr>
+        </p:nvSpPr>
+        <p:spPr>
+          <a:xfrm>
+            <a:off x="457200" y="6927"/>
+            <a:ext cx="8229600" cy="1143000"/>
+          </a:xfrm>
+        </p:spPr>
+        <p:txBody>
+          <a:bodyPr>
+            <a:normAutofit/>
+          </a:bodyPr>
+          <a:lstStyle/>
+          <a:p>
+            <a:r>
+              <a:rPr lang="en-US" dirty="0" smtClean="0"/>
+              <a:t>Branching </a:t>
+            </a:r>
+            <a:endParaRPr lang="en-US" dirty="0"/>
+          </a:p>
+        </p:txBody>
+      </p:sp>
+      <p:sp>
+        <p:nvSpPr>
+          <p:cNvPr id="3" name="Content Placeholder 2"/>
+          <p:cNvSpPr>
+            <a:spLocks noGrp="1"/>
+          </p:cNvSpPr>
+          <p:nvPr>
+            <p:ph idx="1"/>
+          </p:nvPr>
+        </p:nvSpPr>
+        <p:spPr/>
+        <p:txBody>
+          <a:bodyPr>
+            <a:normAutofit/>
+          </a:bodyPr>
+          <a:lstStyle/>
+          <a:p>
+            <a:pPr marL="0" indent="0">
+              <a:buNone/>
+            </a:pPr>
+            <a:r>
+              <a:rPr lang="en-US" dirty="0" err="1" smtClean="0">
+                <a:latin typeface="Consolas" panose="020B0609020204030204" pitchFamily="49" charset="0"/>
+              </a:rPr>
+              <a:t>git</a:t>
+            </a:r>
+            <a:r>
+              <a:rPr lang="en-US" dirty="0" smtClean="0">
+                <a:latin typeface="Consolas" panose="020B0609020204030204" pitchFamily="49" charset="0"/>
+              </a:rPr>
+              <a:t> branch [-v]</a:t>
+            </a:r>
+            <a:br>
+              <a:rPr lang="en-US" dirty="0" smtClean="0">
+                <a:latin typeface="Consolas" panose="020B0609020204030204" pitchFamily="49" charset="0"/>
+              </a:rPr>
+            </a:br>
+            <a:r>
+              <a:rPr lang="en-US" dirty="0" err="1" smtClean="0">
+                <a:latin typeface="Consolas" panose="020B0609020204030204" pitchFamily="49" charset="0"/>
+              </a:rPr>
+              <a:t>git</a:t>
+            </a:r>
+            <a:r>
+              <a:rPr lang="en-US" dirty="0" smtClean="0">
+                <a:latin typeface="Consolas" panose="020B0609020204030204" pitchFamily="49" charset="0"/>
+              </a:rPr>
+              <a:t> </a:t>
+            </a:r>
+            <a:r>
+              <a:rPr lang="en-US" dirty="0">
+                <a:latin typeface="Consolas" panose="020B0609020204030204" pitchFamily="49" charset="0"/>
+              </a:rPr>
+              <a:t>branch </a:t>
+            </a:r>
+            <a:r>
+              <a:rPr lang="en-US" dirty="0" smtClean="0">
+                <a:latin typeface="Consolas" panose="020B0609020204030204" pitchFamily="49" charset="0"/>
+              </a:rPr>
+              <a:t>&lt;</a:t>
+            </a:r>
+            <a:r>
+              <a:rPr lang="en-US" dirty="0" err="1" smtClean="0">
+                <a:latin typeface="Consolas" panose="020B0609020204030204" pitchFamily="49" charset="0"/>
+              </a:rPr>
+              <a:t>branchname</a:t>
+            </a:r>
+            <a:r>
+              <a:rPr lang="en-US" dirty="0" smtClean="0">
+                <a:latin typeface="Consolas" panose="020B0609020204030204" pitchFamily="49" charset="0"/>
+              </a:rPr>
+              <a:t>&gt;</a:t>
+            </a:r>
+          </a:p>
+          <a:p>
+            <a:pPr marL="0" indent="0">
+              <a:buNone/>
+            </a:pPr>
+            <a:r>
+              <a:rPr lang="en-US" dirty="0" err="1" smtClean="0">
+                <a:latin typeface="Consolas" panose="020B0609020204030204" pitchFamily="49" charset="0"/>
+              </a:rPr>
+              <a:t>Git</a:t>
+            </a:r>
+            <a:r>
+              <a:rPr lang="en-US" dirty="0" smtClean="0">
+                <a:latin typeface="Consolas" panose="020B0609020204030204" pitchFamily="49" charset="0"/>
+              </a:rPr>
+              <a:t> branch –d &lt;</a:t>
+            </a:r>
+            <a:r>
+              <a:rPr lang="en-US" dirty="0" err="1" smtClean="0">
+                <a:latin typeface="Consolas" panose="020B0609020204030204" pitchFamily="49" charset="0"/>
+              </a:rPr>
+              <a:t>branchname</a:t>
+            </a:r>
+            <a:r>
+              <a:rPr lang="en-US" dirty="0" smtClean="0">
+                <a:latin typeface="Consolas" panose="020B0609020204030204" pitchFamily="49" charset="0"/>
+              </a:rPr>
+              <a:t>&gt;</a:t>
+            </a:r>
+          </a:p>
+          <a:p>
+            <a:pPr marL="0" indent="0">
+              <a:buNone/>
+            </a:pPr>
+            <a:r>
+              <a:rPr lang="en-US" dirty="0" smtClean="0">
+                <a:latin typeface="Consolas" panose="020B0609020204030204" pitchFamily="49" charset="0"/>
+              </a:rPr>
+              <a:t>HEAD pointer</a:t>
+            </a:r>
+          </a:p>
+          <a:p>
+            <a:pPr marL="0" indent="0">
+              <a:buNone/>
+            </a:pPr>
+            <a:r>
+              <a:rPr lang="en-US" dirty="0" err="1" smtClean="0">
+                <a:latin typeface="Consolas" panose="020B0609020204030204" pitchFamily="49" charset="0"/>
+              </a:rPr>
+              <a:t>git</a:t>
+            </a:r>
+            <a:r>
+              <a:rPr lang="en-US" dirty="0" smtClean="0">
+                <a:latin typeface="Consolas" panose="020B0609020204030204" pitchFamily="49" charset="0"/>
+              </a:rPr>
+              <a:t> checkout &lt;</a:t>
+            </a:r>
+            <a:r>
+              <a:rPr lang="en-US" dirty="0" err="1" smtClean="0">
+                <a:latin typeface="Consolas" panose="020B0609020204030204" pitchFamily="49" charset="0"/>
+              </a:rPr>
+              <a:t>branchname</a:t>
+            </a:r>
+            <a:r>
+              <a:rPr lang="en-US" dirty="0" smtClean="0">
+                <a:latin typeface="Consolas" panose="020B0609020204030204" pitchFamily="49" charset="0"/>
+              </a:rPr>
+              <a:t>&gt;</a:t>
+            </a:r>
+          </a:p>
+          <a:p>
+            <a:pPr marL="0" indent="0">
+              <a:buNone/>
+            </a:pPr>
+            <a:endParaRPr lang="en-US" dirty="0">
+              <a:latin typeface="Consolas" panose="020B0609020204030204" pitchFamily="49" charset="0"/>
+            </a:endParaRPr>
+          </a:p>
+        </p:txBody>
+      </p:sp>
+    </p:spTree>
+    <p:extLst>
+      <p:ext uri="{BB962C8B-B14F-4D97-AF65-F5344CB8AC3E}">
+        <p14:creationId xmlns:p14="http://schemas.microsoft.com/office/powerpoint/2010/main" val="4210565620"/>
+      </p:ext>
+    </p:extLst>
+  </p:cSld>
+  <p:clrMapOvr>
+    <a:masterClrMapping/>
+  </p:clrMapOvr>
+  <p:timing>
+    <p:tnLst>
+      <p:par>
+        <p:cTn id="1" dur="indefinite" restart="never" nodeType="tmRoot"/>
+      </p:par>
+    </p:tnLst>
+  </p:timing>
+</p:sld>
+</file>
+
+<file path=ppt/slides/slide28.xml><?xml version="1.0" encoding="utf-8"?>
+<p:sld xmlns:a="http://schemas.openxmlformats.org/drawingml/2006/main" xmlns:r="http://schemas.openxmlformats.org/officeDocument/2006/relationships" xmlns:p="http://schemas.openxmlformats.org/presentationml/2006/main">
+  <p:cSld>
+    <p:spTree>
+      <p:nvGrpSpPr>
+        <p:cNvPr id="1" name=""/>
+        <p:cNvGrpSpPr/>
+        <p:nvPr/>
+      </p:nvGrpSpPr>
+      <p:grpSpPr>
+        <a:xfrm>
+          <a:off x="0" y="0"/>
+          <a:ext cx="0" cy="0"/>
+          <a:chOff x="0" y="0"/>
+          <a:chExt cx="0" cy="0"/>
+        </a:xfrm>
+      </p:grpSpPr>
+      <p:sp>
+        <p:nvSpPr>
+          <p:cNvPr id="2" name="Title 1"/>
+          <p:cNvSpPr>
+            <a:spLocks noGrp="1"/>
+          </p:cNvSpPr>
+          <p:nvPr>
+            <p:ph type="title"/>
+          </p:nvPr>
+        </p:nvSpPr>
+        <p:spPr>
+          <a:xfrm>
+            <a:off x="457200" y="6927"/>
+            <a:ext cx="8229600" cy="1143000"/>
+          </a:xfrm>
+        </p:spPr>
+        <p:txBody>
+          <a:bodyPr>
+            <a:normAutofit/>
+          </a:bodyPr>
+          <a:lstStyle/>
+          <a:p>
+            <a:r>
+              <a:rPr lang="en-US" dirty="0" smtClean="0"/>
+              <a:t>Merging</a:t>
+            </a:r>
+            <a:endParaRPr lang="en-US" dirty="0"/>
+          </a:p>
+        </p:txBody>
+      </p:sp>
+      <p:sp>
+        <p:nvSpPr>
+          <p:cNvPr id="3" name="Content Placeholder 2"/>
+          <p:cNvSpPr>
+            <a:spLocks noGrp="1"/>
+          </p:cNvSpPr>
+          <p:nvPr>
+            <p:ph idx="1"/>
+          </p:nvPr>
+        </p:nvSpPr>
+        <p:spPr/>
+        <p:txBody>
+          <a:bodyPr>
+            <a:normAutofit/>
+          </a:bodyPr>
+          <a:lstStyle/>
+          <a:p>
+            <a:pPr marL="0" indent="0">
+              <a:buNone/>
+            </a:pPr>
+            <a:r>
+              <a:rPr lang="en-US" dirty="0" err="1">
+                <a:latin typeface="Consolas" panose="020B0609020204030204" pitchFamily="49" charset="0"/>
+              </a:rPr>
+              <a:t>git</a:t>
+            </a:r>
+            <a:r>
+              <a:rPr lang="en-US" dirty="0">
+                <a:latin typeface="Consolas" panose="020B0609020204030204" pitchFamily="49" charset="0"/>
+              </a:rPr>
+              <a:t> </a:t>
+            </a:r>
+            <a:r>
+              <a:rPr lang="en-US" dirty="0" smtClean="0">
+                <a:latin typeface="Consolas" panose="020B0609020204030204" pitchFamily="49" charset="0"/>
+              </a:rPr>
+              <a:t>merge &lt;branch-to-merge-in&gt;</a:t>
+            </a:r>
+            <a:endParaRPr lang="en-US" dirty="0">
+              <a:latin typeface="Consolas" panose="020B0609020204030204" pitchFamily="49" charset="0"/>
+            </a:endParaRPr>
+          </a:p>
+        </p:txBody>
+      </p:sp>
+    </p:spTree>
+    <p:extLst>
+      <p:ext uri="{BB962C8B-B14F-4D97-AF65-F5344CB8AC3E}">
+        <p14:creationId xmlns:p14="http://schemas.microsoft.com/office/powerpoint/2010/main" val="1121520707"/>
+      </p:ext>
+    </p:extLst>
+  </p:cSld>
+  <p:clrMapOvr>
+    <a:masterClrMapping/>
+  </p:clrMapOvr>
+  <p:timing>
+    <p:tnLst>
+      <p:par>
+        <p:cTn id="1" dur="indefinite" restart="never" nodeType="tmRoot"/>
+      </p:par>
+    </p:tnLst>
+  </p:timing>
+</p:sld>
+</file>
+
+<file path=ppt/slides/slide29.xml><?xml version="1.0" encoding="utf-8"?>
+<p:sld xmlns:a="http://schemas.openxmlformats.org/drawingml/2006/main" xmlns:r="http://schemas.openxmlformats.org/officeDocument/2006/relationships" xmlns:p="http://schemas.openxmlformats.org/presentationml/2006/main">
+  <p:cSld>
+    <p:spTree>
+      <p:nvGrpSpPr>
+        <p:cNvPr id="1" name=""/>
+        <p:cNvGrpSpPr/>
+        <p:nvPr/>
+      </p:nvGrpSpPr>
+      <p:grpSpPr>
+        <a:xfrm>
+          <a:off x="0" y="0"/>
+          <a:ext cx="0" cy="0"/>
+          <a:chOff x="0" y="0"/>
+          <a:chExt cx="0" cy="0"/>
+        </a:xfrm>
+      </p:grpSpPr>
+      <p:sp>
+        <p:nvSpPr>
+          <p:cNvPr id="2" name="Title 1"/>
+          <p:cNvSpPr>
+            <a:spLocks noGrp="1"/>
+          </p:cNvSpPr>
+          <p:nvPr>
+            <p:ph type="title"/>
+          </p:nvPr>
+        </p:nvSpPr>
+        <p:spPr>
+          <a:xfrm>
+            <a:off x="457200" y="6927"/>
+            <a:ext cx="8229600" cy="1143000"/>
+          </a:xfrm>
+        </p:spPr>
+        <p:txBody>
+          <a:bodyPr>
+            <a:normAutofit/>
+          </a:bodyPr>
+          <a:lstStyle/>
+          <a:p>
+            <a:r>
+              <a:rPr lang="en-US" dirty="0" smtClean="0"/>
+              <a:t>Nearing end…</a:t>
+            </a:r>
+            <a:endParaRPr lang="en-US" dirty="0"/>
+          </a:p>
+        </p:txBody>
+      </p:sp>
+      <p:sp>
+        <p:nvSpPr>
+          <p:cNvPr id="3" name="Content Placeholder 2"/>
+          <p:cNvSpPr>
+            <a:spLocks noGrp="1"/>
+          </p:cNvSpPr>
+          <p:nvPr>
+            <p:ph idx="1"/>
+          </p:nvPr>
+        </p:nvSpPr>
+        <p:spPr/>
+        <p:txBody>
+          <a:bodyPr>
+            <a:normAutofit/>
+          </a:bodyPr>
+          <a:lstStyle/>
+          <a:p>
+            <a:pPr marL="0" indent="0">
+              <a:buNone/>
+            </a:pPr>
+            <a:r>
+              <a:rPr lang="en-US" dirty="0" smtClean="0">
+                <a:latin typeface="Consolas" panose="020B0609020204030204" pitchFamily="49" charset="0"/>
+              </a:rPr>
+              <a:t>         </a:t>
+            </a:r>
+          </a:p>
+          <a:p>
+            <a:pPr marL="0" indent="0">
+              <a:buNone/>
+            </a:pPr>
+            <a:endParaRPr lang="en-US" dirty="0">
+              <a:latin typeface="Consolas" panose="020B0609020204030204" pitchFamily="49" charset="0"/>
+            </a:endParaRPr>
+          </a:p>
+          <a:p>
+            <a:pPr marL="0" indent="0">
+              <a:buNone/>
+            </a:pPr>
+            <a:endParaRPr lang="en-US" dirty="0" smtClean="0">
+              <a:latin typeface="Consolas" panose="020B0609020204030204" pitchFamily="49" charset="0"/>
+            </a:endParaRPr>
+          </a:p>
+          <a:p>
+            <a:pPr marL="0" indent="0">
+              <a:buNone/>
+            </a:pPr>
+            <a:r>
+              <a:rPr lang="en-US" dirty="0">
+                <a:latin typeface="Consolas" panose="020B0609020204030204" pitchFamily="49" charset="0"/>
+              </a:rPr>
+              <a:t> </a:t>
+            </a:r>
+            <a:r>
+              <a:rPr lang="en-US" dirty="0" smtClean="0">
+                <a:latin typeface="Consolas" panose="020B0609020204030204" pitchFamily="49" charset="0"/>
+              </a:rPr>
+              <a:t>        </a:t>
+            </a:r>
+            <a:r>
+              <a:rPr lang="en-US" dirty="0" smtClean="0">
+                <a:latin typeface="Consolas" panose="020B0609020204030204" pitchFamily="49" charset="0"/>
+              </a:rPr>
+              <a:t>(Workflow review)</a:t>
+            </a:r>
+            <a:endParaRPr lang="en-US" dirty="0">
+              <a:latin typeface="Consolas" panose="020B0609020204030204" pitchFamily="49" charset="0"/>
+            </a:endParaRPr>
+          </a:p>
+        </p:txBody>
+      </p:sp>
+    </p:spTree>
+    <p:extLst>
+      <p:ext uri="{BB962C8B-B14F-4D97-AF65-F5344CB8AC3E}">
+        <p14:creationId xmlns:p14="http://schemas.microsoft.com/office/powerpoint/2010/main" val="499008285"/>
+      </p:ext>
+    </p:extLst>
+  </p:cSld>
+  <p:clrMapOvr>
+    <a:masterClrMapping/>
+  </p:clrMapOvr>
+  <p:timing>
+    <p:tnLst>
+      <p:par>
+        <p:cTn id="1" dur="indefinite" restart="never" nodeType="tmRoot"/>
+      </p:par>
+    </p:tnLst>
+  </p:timing>
+</p:sld>
+</file>
+
 <file path=ppt/slides/slide3.xml><?xml version="1.0" encoding="utf-8"?>
 <p:sld xmlns:a="http://schemas.openxmlformats.org/drawingml/2006/main" xmlns:r="http://schemas.openxmlformats.org/officeDocument/2006/relationships" xmlns:p="http://schemas.openxmlformats.org/presentationml/2006/main">
   <p:cSld>
@@ -8007,6 +10251,507 @@
     <p:extLst>
       <p:ext uri="{BB962C8B-B14F-4D97-AF65-F5344CB8AC3E}">
         <p14:creationId xmlns:p14="http://schemas.microsoft.com/office/powerpoint/2010/main" val="2442058054"/>
+      </p:ext>
+    </p:extLst>
+  </p:cSld>
+  <p:clrMapOvr>
+    <a:masterClrMapping/>
+  </p:clrMapOvr>
+  <p:timing>
+    <p:tnLst>
+      <p:par>
+        <p:cTn id="1" dur="indefinite" restart="never" nodeType="tmRoot"/>
+      </p:par>
+    </p:tnLst>
+  </p:timing>
+</p:sld>
+</file>
+
+<file path=ppt/slides/slide30.xml><?xml version="1.0" encoding="utf-8"?>
+<p:sld xmlns:a="http://schemas.openxmlformats.org/drawingml/2006/main" xmlns:r="http://schemas.openxmlformats.org/officeDocument/2006/relationships" xmlns:p="http://schemas.openxmlformats.org/presentationml/2006/main">
+  <p:cSld>
+    <p:spTree>
+      <p:nvGrpSpPr>
+        <p:cNvPr id="1" name=""/>
+        <p:cNvGrpSpPr/>
+        <p:nvPr/>
+      </p:nvGrpSpPr>
+      <p:grpSpPr>
+        <a:xfrm>
+          <a:off x="0" y="0"/>
+          <a:ext cx="0" cy="0"/>
+          <a:chOff x="0" y="0"/>
+          <a:chExt cx="0" cy="0"/>
+        </a:xfrm>
+      </p:grpSpPr>
+      <p:sp>
+        <p:nvSpPr>
+          <p:cNvPr id="2" name="Title 1"/>
+          <p:cNvSpPr>
+            <a:spLocks noGrp="1"/>
+          </p:cNvSpPr>
+          <p:nvPr>
+            <p:ph type="title"/>
+          </p:nvPr>
+        </p:nvSpPr>
+        <p:spPr>
+          <a:xfrm>
+            <a:off x="457200" y="6927"/>
+            <a:ext cx="8229600" cy="1143000"/>
+          </a:xfrm>
+        </p:spPr>
+        <p:txBody>
+          <a:bodyPr>
+            <a:normAutofit/>
+          </a:bodyPr>
+          <a:lstStyle/>
+          <a:p>
+            <a:r>
+              <a:rPr lang="en-US" dirty="0" smtClean="0"/>
+              <a:t>Appendix ?</a:t>
+            </a:r>
+            <a:endParaRPr lang="en-US" dirty="0"/>
+          </a:p>
+        </p:txBody>
+      </p:sp>
+      <p:sp>
+        <p:nvSpPr>
+          <p:cNvPr id="3" name="Content Placeholder 2"/>
+          <p:cNvSpPr>
+            <a:spLocks noGrp="1"/>
+          </p:cNvSpPr>
+          <p:nvPr>
+            <p:ph idx="1"/>
+          </p:nvPr>
+        </p:nvSpPr>
+        <p:spPr/>
+        <p:txBody>
+          <a:bodyPr>
+            <a:normAutofit fontScale="92500"/>
+          </a:bodyPr>
+          <a:lstStyle/>
+          <a:p>
+            <a:pPr marL="0" indent="0">
+              <a:buNone/>
+            </a:pPr>
+            <a:r>
+              <a:rPr lang="en-US" dirty="0" smtClean="0">
+                <a:latin typeface="Consolas" panose="020B0609020204030204" pitchFamily="49" charset="0"/>
+              </a:rPr>
+              <a:t>..</a:t>
+            </a:r>
+            <a:r>
+              <a:rPr lang="en-US" dirty="0" err="1" smtClean="0">
+                <a:latin typeface="Consolas" panose="020B0609020204030204" pitchFamily="49" charset="0"/>
+              </a:rPr>
+              <a:t>git</a:t>
+            </a:r>
+            <a:r>
+              <a:rPr lang="en-US" dirty="0" smtClean="0">
+                <a:latin typeface="Consolas" panose="020B0609020204030204" pitchFamily="49" charset="0"/>
+              </a:rPr>
+              <a:t> rebase</a:t>
+            </a:r>
+          </a:p>
+          <a:p>
+            <a:pPr marL="0" indent="0">
+              <a:buNone/>
+            </a:pPr>
+            <a:r>
+              <a:rPr lang="en-US" dirty="0" smtClean="0">
+                <a:latin typeface="Consolas" panose="020B0609020204030204" pitchFamily="49" charset="0"/>
+              </a:rPr>
+              <a:t>..remote tracking advanced concepts, remote branch management, configuring multiple remotes for fetch/push</a:t>
+            </a:r>
+            <a:br>
+              <a:rPr lang="en-US" dirty="0" smtClean="0">
+                <a:latin typeface="Consolas" panose="020B0609020204030204" pitchFamily="49" charset="0"/>
+              </a:rPr>
+            </a:br>
+            <a:r>
+              <a:rPr lang="en-US" dirty="0" smtClean="0">
+                <a:latin typeface="Consolas" panose="020B0609020204030204" pitchFamily="49" charset="0"/>
+              </a:rPr>
+              <a:t>..</a:t>
+            </a:r>
+            <a:r>
+              <a:rPr lang="en-US" dirty="0" err="1" smtClean="0">
+                <a:latin typeface="Consolas" panose="020B0609020204030204" pitchFamily="49" charset="0"/>
+              </a:rPr>
+              <a:t>git</a:t>
+            </a:r>
+            <a:r>
+              <a:rPr lang="en-US" dirty="0" smtClean="0">
+                <a:latin typeface="Consolas" panose="020B0609020204030204" pitchFamily="49" charset="0"/>
+              </a:rPr>
+              <a:t> on server -&gt; configuring </a:t>
+            </a:r>
+            <a:r>
+              <a:rPr lang="en-US" dirty="0" err="1" smtClean="0">
+                <a:latin typeface="Consolas" panose="020B0609020204030204" pitchFamily="49" charset="0"/>
+              </a:rPr>
+              <a:t>gitlab</a:t>
+            </a:r>
+            <a:r>
+              <a:rPr lang="en-US" dirty="0" smtClean="0">
+                <a:latin typeface="Consolas" panose="020B0609020204030204" pitchFamily="49" charset="0"/>
+              </a:rPr>
+              <a:t>, </a:t>
+            </a:r>
+            <a:r>
+              <a:rPr lang="en-US" dirty="0" err="1" smtClean="0">
+                <a:latin typeface="Consolas" panose="020B0609020204030204" pitchFamily="49" charset="0"/>
+              </a:rPr>
+              <a:t>github</a:t>
+            </a:r>
+            <a:r>
+              <a:rPr lang="en-US" dirty="0" smtClean="0">
+                <a:latin typeface="Consolas" panose="020B0609020204030204" pitchFamily="49" charset="0"/>
+              </a:rPr>
+              <a:t> etc. configuring read/write access, </a:t>
+            </a:r>
+            <a:r>
+              <a:rPr lang="en-US" dirty="0" err="1" smtClean="0">
+                <a:latin typeface="Consolas" panose="020B0609020204030204" pitchFamily="49" charset="0"/>
+              </a:rPr>
+              <a:t>ssh</a:t>
+            </a:r>
+            <a:r>
+              <a:rPr lang="en-US" dirty="0" smtClean="0">
+                <a:latin typeface="Consolas" panose="020B0609020204030204" pitchFamily="49" charset="0"/>
+              </a:rPr>
+              <a:t> keys …</a:t>
+            </a:r>
+          </a:p>
+          <a:p>
+            <a:pPr marL="0" indent="0">
+              <a:buNone/>
+            </a:pPr>
+            <a:r>
+              <a:rPr lang="en-US" dirty="0" smtClean="0">
+                <a:latin typeface="Consolas" panose="020B0609020204030204" pitchFamily="49" charset="0"/>
+              </a:rPr>
+              <a:t>..tags</a:t>
+            </a:r>
+          </a:p>
+          <a:p>
+            <a:pPr marL="0" indent="0">
+              <a:buNone/>
+            </a:pPr>
+            <a:r>
+              <a:rPr lang="en-US" dirty="0" smtClean="0">
+                <a:latin typeface="Consolas" panose="020B0609020204030204" pitchFamily="49" charset="0"/>
+              </a:rPr>
+              <a:t>..aliases</a:t>
+            </a:r>
+          </a:p>
+          <a:p>
+            <a:pPr marL="0" indent="0">
+              <a:buNone/>
+            </a:pPr>
+            <a:endParaRPr lang="en-US" dirty="0" smtClean="0">
+              <a:latin typeface="Consolas" panose="020B0609020204030204" pitchFamily="49" charset="0"/>
+            </a:endParaRPr>
+          </a:p>
+          <a:p>
+            <a:pPr marL="0" indent="0">
+              <a:buNone/>
+            </a:pPr>
+            <a:endParaRPr lang="en-US" dirty="0">
+              <a:latin typeface="Consolas" panose="020B0609020204030204" pitchFamily="49" charset="0"/>
+            </a:endParaRPr>
+          </a:p>
+        </p:txBody>
+      </p:sp>
+    </p:spTree>
+    <p:extLst>
+      <p:ext uri="{BB962C8B-B14F-4D97-AF65-F5344CB8AC3E}">
+        <p14:creationId xmlns:p14="http://schemas.microsoft.com/office/powerpoint/2010/main" val="534347452"/>
+      </p:ext>
+    </p:extLst>
+  </p:cSld>
+  <p:clrMapOvr>
+    <a:masterClrMapping/>
+  </p:clrMapOvr>
+  <p:timing>
+    <p:tnLst>
+      <p:par>
+        <p:cTn id="1" dur="indefinite" restart="never" nodeType="tmRoot"/>
+      </p:par>
+    </p:tnLst>
+  </p:timing>
+</p:sld>
+</file>
+
+<file path=ppt/slides/slide31.xml><?xml version="1.0" encoding="utf-8"?>
+<p:sld xmlns:a="http://schemas.openxmlformats.org/drawingml/2006/main" xmlns:r="http://schemas.openxmlformats.org/officeDocument/2006/relationships" xmlns:p="http://schemas.openxmlformats.org/presentationml/2006/main">
+  <p:cSld>
+    <p:spTree>
+      <p:nvGrpSpPr>
+        <p:cNvPr id="1" name=""/>
+        <p:cNvGrpSpPr/>
+        <p:nvPr/>
+      </p:nvGrpSpPr>
+      <p:grpSpPr>
+        <a:xfrm>
+          <a:off x="0" y="0"/>
+          <a:ext cx="0" cy="0"/>
+          <a:chOff x="0" y="0"/>
+          <a:chExt cx="0" cy="0"/>
+        </a:xfrm>
+      </p:grpSpPr>
+      <p:sp>
+        <p:nvSpPr>
+          <p:cNvPr id="2" name="Title 1"/>
+          <p:cNvSpPr>
+            <a:spLocks noGrp="1"/>
+          </p:cNvSpPr>
+          <p:nvPr>
+            <p:ph type="title"/>
+          </p:nvPr>
+        </p:nvSpPr>
+        <p:spPr>
+          <a:xfrm>
+            <a:off x="457200" y="6927"/>
+            <a:ext cx="8229600" cy="1143000"/>
+          </a:xfrm>
+        </p:spPr>
+        <p:txBody>
+          <a:bodyPr>
+            <a:normAutofit/>
+          </a:bodyPr>
+          <a:lstStyle/>
+          <a:p>
+            <a:r>
+              <a:rPr lang="en-US" dirty="0" smtClean="0"/>
+              <a:t>Tags</a:t>
+            </a:r>
+            <a:endParaRPr lang="en-US" dirty="0"/>
+          </a:p>
+        </p:txBody>
+      </p:sp>
+      <p:sp>
+        <p:nvSpPr>
+          <p:cNvPr id="3" name="Content Placeholder 2"/>
+          <p:cNvSpPr>
+            <a:spLocks noGrp="1"/>
+          </p:cNvSpPr>
+          <p:nvPr>
+            <p:ph idx="1"/>
+          </p:nvPr>
+        </p:nvSpPr>
+        <p:spPr/>
+        <p:txBody>
+          <a:bodyPr>
+            <a:normAutofit/>
+          </a:bodyPr>
+          <a:lstStyle/>
+          <a:p>
+            <a:pPr marL="0" indent="0">
+              <a:buNone/>
+            </a:pPr>
+            <a:r>
+              <a:rPr lang="en-US" dirty="0" err="1" smtClean="0">
+                <a:latin typeface="Consolas" panose="020B0609020204030204" pitchFamily="49" charset="0"/>
+              </a:rPr>
+              <a:t>g</a:t>
+            </a:r>
+            <a:r>
+              <a:rPr lang="en-US" dirty="0" err="1" smtClean="0">
+                <a:latin typeface="Consolas" panose="020B0609020204030204" pitchFamily="49" charset="0"/>
+              </a:rPr>
+              <a:t>it</a:t>
+            </a:r>
+            <a:r>
+              <a:rPr lang="en-US" dirty="0" smtClean="0">
+                <a:latin typeface="Consolas" panose="020B0609020204030204" pitchFamily="49" charset="0"/>
+              </a:rPr>
+              <a:t> tag</a:t>
+            </a:r>
+            <a:endParaRPr lang="en-US" dirty="0">
+              <a:latin typeface="Consolas" panose="020B0609020204030204" pitchFamily="49" charset="0"/>
+            </a:endParaRPr>
+          </a:p>
+        </p:txBody>
+      </p:sp>
+    </p:spTree>
+    <p:extLst>
+      <p:ext uri="{BB962C8B-B14F-4D97-AF65-F5344CB8AC3E}">
+        <p14:creationId xmlns:p14="http://schemas.microsoft.com/office/powerpoint/2010/main" val="2812530592"/>
+      </p:ext>
+    </p:extLst>
+  </p:cSld>
+  <p:clrMapOvr>
+    <a:masterClrMapping/>
+  </p:clrMapOvr>
+  <p:timing>
+    <p:tnLst>
+      <p:par>
+        <p:cTn id="1" dur="indefinite" restart="never" nodeType="tmRoot"/>
+      </p:par>
+    </p:tnLst>
+  </p:timing>
+</p:sld>
+</file>
+
+<file path=ppt/slides/slide32.xml><?xml version="1.0" encoding="utf-8"?>
+<p:sld xmlns:a="http://schemas.openxmlformats.org/drawingml/2006/main" xmlns:r="http://schemas.openxmlformats.org/officeDocument/2006/relationships" xmlns:p="http://schemas.openxmlformats.org/presentationml/2006/main">
+  <p:cSld>
+    <p:spTree>
+      <p:nvGrpSpPr>
+        <p:cNvPr id="1" name=""/>
+        <p:cNvGrpSpPr/>
+        <p:nvPr/>
+      </p:nvGrpSpPr>
+      <p:grpSpPr>
+        <a:xfrm>
+          <a:off x="0" y="0"/>
+          <a:ext cx="0" cy="0"/>
+          <a:chOff x="0" y="0"/>
+          <a:chExt cx="0" cy="0"/>
+        </a:xfrm>
+      </p:grpSpPr>
+      <p:sp>
+        <p:nvSpPr>
+          <p:cNvPr id="2" name="Title 1"/>
+          <p:cNvSpPr>
+            <a:spLocks noGrp="1"/>
+          </p:cNvSpPr>
+          <p:nvPr>
+            <p:ph type="title"/>
+          </p:nvPr>
+        </p:nvSpPr>
+        <p:spPr>
+          <a:xfrm>
+            <a:off x="457200" y="6927"/>
+            <a:ext cx="8229600" cy="1143000"/>
+          </a:xfrm>
+        </p:spPr>
+        <p:txBody>
+          <a:bodyPr>
+            <a:normAutofit/>
+          </a:bodyPr>
+          <a:lstStyle/>
+          <a:p>
+            <a:r>
+              <a:rPr lang="en-US" dirty="0" smtClean="0"/>
+              <a:t>Aliases</a:t>
+            </a:r>
+            <a:endParaRPr lang="en-US" dirty="0"/>
+          </a:p>
+        </p:txBody>
+      </p:sp>
+      <p:sp>
+        <p:nvSpPr>
+          <p:cNvPr id="3" name="Content Placeholder 2"/>
+          <p:cNvSpPr>
+            <a:spLocks noGrp="1"/>
+          </p:cNvSpPr>
+          <p:nvPr>
+            <p:ph idx="1"/>
+          </p:nvPr>
+        </p:nvSpPr>
+        <p:spPr/>
+        <p:txBody>
+          <a:bodyPr>
+            <a:normAutofit/>
+          </a:bodyPr>
+          <a:lstStyle/>
+          <a:p>
+            <a:pPr marL="0" indent="0">
+              <a:buNone/>
+            </a:pPr>
+            <a:r>
+              <a:rPr lang="en-IN" dirty="0" err="1" smtClean="0"/>
+              <a:t>Eg</a:t>
+            </a:r>
+            <a:r>
+              <a:rPr lang="en-IN" dirty="0" smtClean="0"/>
+              <a:t>.</a:t>
+            </a:r>
+          </a:p>
+          <a:p>
+            <a:pPr marL="0" indent="0">
+              <a:buNone/>
+            </a:pPr>
+            <a:r>
+              <a:rPr lang="en-IN" dirty="0" smtClean="0">
+                <a:latin typeface="Consolas" panose="020B0609020204030204" pitchFamily="49" charset="0"/>
+              </a:rPr>
+              <a:t>git </a:t>
+            </a:r>
+            <a:r>
+              <a:rPr lang="en-IN" dirty="0" err="1">
+                <a:latin typeface="Consolas" panose="020B0609020204030204" pitchFamily="49" charset="0"/>
+              </a:rPr>
+              <a:t>config</a:t>
+            </a:r>
+            <a:r>
+              <a:rPr lang="en-IN" dirty="0">
+                <a:latin typeface="Consolas" panose="020B0609020204030204" pitchFamily="49" charset="0"/>
+              </a:rPr>
+              <a:t> </a:t>
+            </a:r>
+            <a:r>
+              <a:rPr lang="en-IN" dirty="0" smtClean="0">
+                <a:latin typeface="Consolas" panose="020B0609020204030204" pitchFamily="49" charset="0"/>
+              </a:rPr>
+              <a:t>--global alias.ci commit</a:t>
+            </a:r>
+          </a:p>
+          <a:p>
+            <a:pPr marL="0" indent="0">
+              <a:buNone/>
+            </a:pPr>
+            <a:endParaRPr lang="en-IN" dirty="0">
+              <a:latin typeface="Consolas" panose="020B0609020204030204" pitchFamily="49" charset="0"/>
+            </a:endParaRPr>
+          </a:p>
+          <a:p>
+            <a:pPr marL="0" indent="0">
+              <a:buNone/>
+            </a:pPr>
+            <a:endParaRPr lang="en-IN" dirty="0" smtClean="0">
+              <a:latin typeface="Consolas" panose="020B0609020204030204" pitchFamily="49" charset="0"/>
+            </a:endParaRPr>
+          </a:p>
+          <a:p>
+            <a:pPr marL="0" indent="0">
+              <a:buNone/>
+            </a:pPr>
+            <a:r>
+              <a:rPr lang="en-IN" dirty="0" smtClean="0">
+                <a:latin typeface="Consolas" panose="020B0609020204030204" pitchFamily="49" charset="0"/>
+              </a:rPr>
+              <a:t>&gt;&gt;ci –m “</a:t>
+            </a:r>
+            <a:r>
+              <a:rPr lang="en-IN" dirty="0" err="1" smtClean="0">
+                <a:latin typeface="Consolas" panose="020B0609020204030204" pitchFamily="49" charset="0"/>
+              </a:rPr>
+              <a:t>commitmessage</a:t>
+            </a:r>
+            <a:r>
+              <a:rPr lang="en-IN" dirty="0" smtClean="0">
+                <a:latin typeface="Consolas" panose="020B0609020204030204" pitchFamily="49" charset="0"/>
+              </a:rPr>
+              <a:t>”</a:t>
+            </a:r>
+          </a:p>
+          <a:p>
+            <a:pPr marL="0" indent="0">
+              <a:buNone/>
+            </a:pPr>
+            <a:endParaRPr lang="en-US" dirty="0">
+              <a:latin typeface="Consolas" panose="020B0609020204030204" pitchFamily="49" charset="0"/>
+            </a:endParaRPr>
+          </a:p>
+        </p:txBody>
+      </p:sp>
+    </p:spTree>
+    <p:extLst>
+      <p:ext uri="{BB962C8B-B14F-4D97-AF65-F5344CB8AC3E}">
+        <p14:creationId xmlns:p14="http://schemas.microsoft.com/office/powerpoint/2010/main" val="1832582461"/>
       </p:ext>
     </p:extLst>
   </p:cSld>

--- a/GIT version control.pptx
+++ b/GIT version control.pptx
@@ -223,7 +223,8 @@
           <a:p>
             <a:fld id="{841A7CE9-5476-4A90-8645-20642AB43962}" type="datetimeFigureOut">
               <a:rPr lang="en-US" smtClean="0"/>
-              <a:t>14-Jul-17</a:t>
+              <a:pPr/>
+              <a:t>7/14/2017</a:t>
             </a:fld>
             <a:endParaRPr lang="en-US"/>
           </a:p>
@@ -382,6 +383,7 @@
           <a:p>
             <a:fld id="{3BE3DC07-12DA-4907-B68D-C6D54C5EA421}" type="slidenum">
               <a:rPr lang="en-US" smtClean="0"/>
+              <a:pPr/>
               <a:t>‹#›</a:t>
             </a:fld>
             <a:endParaRPr lang="en-US"/>
@@ -391,7 +393,7 @@
     </p:spTree>
     <p:extLst>
       <p:ext uri="{BB962C8B-B14F-4D97-AF65-F5344CB8AC3E}">
-        <p14:creationId xmlns:p14="http://schemas.microsoft.com/office/powerpoint/2010/main" val="1736427273"/>
+        <p14:creationId xmlns:p14="http://schemas.microsoft.com/office/powerpoint/2010/main" xmlns="" val="1736427273"/>
       </p:ext>
     </p:extLst>
   </p:cSld>
@@ -556,6 +558,7 @@
           <a:p>
             <a:fld id="{3BE3DC07-12DA-4907-B68D-C6D54C5EA421}" type="slidenum">
               <a:rPr lang="en-US" smtClean="0"/>
+              <a:pPr/>
               <a:t>14</a:t>
             </a:fld>
             <a:endParaRPr lang="en-US"/>
@@ -565,7 +568,7 @@
     </p:spTree>
     <p:extLst>
       <p:ext uri="{BB962C8B-B14F-4D97-AF65-F5344CB8AC3E}">
-        <p14:creationId xmlns:p14="http://schemas.microsoft.com/office/powerpoint/2010/main" val="2593205200"/>
+        <p14:creationId xmlns:p14="http://schemas.microsoft.com/office/powerpoint/2010/main" xmlns="" val="2593205200"/>
       </p:ext>
     </p:extLst>
   </p:cSld>
@@ -826,6 +829,7 @@
           <a:p>
             <a:fld id="{3BE3DC07-12DA-4907-B68D-C6D54C5EA421}" type="slidenum">
               <a:rPr lang="en-US" smtClean="0"/>
+              <a:pPr/>
               <a:t>23</a:t>
             </a:fld>
             <a:endParaRPr lang="en-US"/>
@@ -835,7 +839,7 @@
     </p:spTree>
     <p:extLst>
       <p:ext uri="{BB962C8B-B14F-4D97-AF65-F5344CB8AC3E}">
-        <p14:creationId xmlns:p14="http://schemas.microsoft.com/office/powerpoint/2010/main" val="2593205200"/>
+        <p14:creationId xmlns:p14="http://schemas.microsoft.com/office/powerpoint/2010/main" xmlns="" val="2593205200"/>
       </p:ext>
     </p:extLst>
   </p:cSld>
@@ -910,6 +914,7 @@
           <a:p>
             <a:fld id="{3BE3DC07-12DA-4907-B68D-C6D54C5EA421}" type="slidenum">
               <a:rPr lang="en-US" smtClean="0"/>
+              <a:pPr/>
               <a:t>24</a:t>
             </a:fld>
             <a:endParaRPr lang="en-US"/>
@@ -919,7 +924,7 @@
     </p:spTree>
     <p:extLst>
       <p:ext uri="{BB962C8B-B14F-4D97-AF65-F5344CB8AC3E}">
-        <p14:creationId xmlns:p14="http://schemas.microsoft.com/office/powerpoint/2010/main" val="2593205200"/>
+        <p14:creationId xmlns:p14="http://schemas.microsoft.com/office/powerpoint/2010/main" xmlns="" val="2593205200"/>
       </p:ext>
     </p:extLst>
   </p:cSld>
@@ -1011,6 +1016,7 @@
           <a:p>
             <a:fld id="{3BE3DC07-12DA-4907-B68D-C6D54C5EA421}" type="slidenum">
               <a:rPr lang="en-US" smtClean="0"/>
+              <a:pPr/>
               <a:t>25</a:t>
             </a:fld>
             <a:endParaRPr lang="en-US"/>
@@ -1020,7 +1026,7 @@
     </p:spTree>
     <p:extLst>
       <p:ext uri="{BB962C8B-B14F-4D97-AF65-F5344CB8AC3E}">
-        <p14:creationId xmlns:p14="http://schemas.microsoft.com/office/powerpoint/2010/main" val="2593205200"/>
+        <p14:creationId xmlns:p14="http://schemas.microsoft.com/office/powerpoint/2010/main" xmlns="" val="2593205200"/>
       </p:ext>
     </p:extLst>
   </p:cSld>
@@ -1095,6 +1101,7 @@
           <a:p>
             <a:fld id="{3BE3DC07-12DA-4907-B68D-C6D54C5EA421}" type="slidenum">
               <a:rPr lang="en-US" smtClean="0"/>
+              <a:pPr/>
               <a:t>26</a:t>
             </a:fld>
             <a:endParaRPr lang="en-US"/>
@@ -1104,7 +1111,7 @@
     </p:spTree>
     <p:extLst>
       <p:ext uri="{BB962C8B-B14F-4D97-AF65-F5344CB8AC3E}">
-        <p14:creationId xmlns:p14="http://schemas.microsoft.com/office/powerpoint/2010/main" val="2593205200"/>
+        <p14:creationId xmlns:p14="http://schemas.microsoft.com/office/powerpoint/2010/main" xmlns="" val="2593205200"/>
       </p:ext>
     </p:extLst>
   </p:cSld>
@@ -1183,6 +1190,7 @@
           <a:p>
             <a:fld id="{3BE3DC07-12DA-4907-B68D-C6D54C5EA421}" type="slidenum">
               <a:rPr lang="en-US" smtClean="0"/>
+              <a:pPr/>
               <a:t>27</a:t>
             </a:fld>
             <a:endParaRPr lang="en-US"/>
@@ -1192,7 +1200,7 @@
     </p:spTree>
     <p:extLst>
       <p:ext uri="{BB962C8B-B14F-4D97-AF65-F5344CB8AC3E}">
-        <p14:creationId xmlns:p14="http://schemas.microsoft.com/office/powerpoint/2010/main" val="2593205200"/>
+        <p14:creationId xmlns:p14="http://schemas.microsoft.com/office/powerpoint/2010/main" xmlns="" val="2593205200"/>
       </p:ext>
     </p:extLst>
   </p:cSld>
@@ -1267,6 +1275,7 @@
           <a:p>
             <a:fld id="{3BE3DC07-12DA-4907-B68D-C6D54C5EA421}" type="slidenum">
               <a:rPr lang="en-US" smtClean="0"/>
+              <a:pPr/>
               <a:t>28</a:t>
             </a:fld>
             <a:endParaRPr lang="en-US"/>
@@ -1276,7 +1285,7 @@
     </p:spTree>
     <p:extLst>
       <p:ext uri="{BB962C8B-B14F-4D97-AF65-F5344CB8AC3E}">
-        <p14:creationId xmlns:p14="http://schemas.microsoft.com/office/powerpoint/2010/main" val="2593205200"/>
+        <p14:creationId xmlns:p14="http://schemas.microsoft.com/office/powerpoint/2010/main" xmlns="" val="2593205200"/>
       </p:ext>
     </p:extLst>
   </p:cSld>
@@ -1330,6 +1339,26 @@
           <a:bodyPr/>
           <a:lstStyle/>
           <a:p>
+            <a:r>
+              <a:rPr lang="en-US" dirty="0" smtClean="0"/>
+              <a:t>Merge ourselves and push </a:t>
+            </a:r>
+            <a:r>
+              <a:rPr lang="en-US" dirty="0" err="1" smtClean="0"/>
+              <a:t>vs</a:t>
+            </a:r>
+            <a:r>
+              <a:rPr lang="en-US" dirty="0" smtClean="0"/>
+              <a:t> merge on </a:t>
+            </a:r>
+            <a:r>
+              <a:rPr lang="en-US" smtClean="0"/>
+              <a:t>server after</a:t>
+            </a:r>
+            <a:r>
+              <a:rPr lang="en-US" baseline="0" smtClean="0"/>
+              <a:t> push.</a:t>
+            </a:r>
             <a:endParaRPr lang="en-US" dirty="0"/>
           </a:p>
         </p:txBody>
@@ -1351,6 +1380,7 @@
           <a:p>
             <a:fld id="{3BE3DC07-12DA-4907-B68D-C6D54C5EA421}" type="slidenum">
               <a:rPr lang="en-US" smtClean="0"/>
+              <a:pPr/>
               <a:t>29</a:t>
             </a:fld>
             <a:endParaRPr lang="en-US"/>
@@ -1360,7 +1390,7 @@
     </p:spTree>
     <p:extLst>
       <p:ext uri="{BB962C8B-B14F-4D97-AF65-F5344CB8AC3E}">
-        <p14:creationId xmlns:p14="http://schemas.microsoft.com/office/powerpoint/2010/main" val="2593205200"/>
+        <p14:creationId xmlns:p14="http://schemas.microsoft.com/office/powerpoint/2010/main" xmlns="" val="2593205200"/>
       </p:ext>
     </p:extLst>
   </p:cSld>
@@ -1435,6 +1465,7 @@
           <a:p>
             <a:fld id="{3BE3DC07-12DA-4907-B68D-C6D54C5EA421}" type="slidenum">
               <a:rPr lang="en-US" smtClean="0"/>
+              <a:pPr/>
               <a:t>30</a:t>
             </a:fld>
             <a:endParaRPr lang="en-US"/>
@@ -1444,7 +1475,7 @@
     </p:spTree>
     <p:extLst>
       <p:ext uri="{BB962C8B-B14F-4D97-AF65-F5344CB8AC3E}">
-        <p14:creationId xmlns:p14="http://schemas.microsoft.com/office/powerpoint/2010/main" val="2593205200"/>
+        <p14:creationId xmlns:p14="http://schemas.microsoft.com/office/powerpoint/2010/main" xmlns="" val="2593205200"/>
       </p:ext>
     </p:extLst>
   </p:cSld>
@@ -1519,6 +1550,7 @@
           <a:p>
             <a:fld id="{3BE3DC07-12DA-4907-B68D-C6D54C5EA421}" type="slidenum">
               <a:rPr lang="en-US" smtClean="0"/>
+              <a:pPr/>
               <a:t>31</a:t>
             </a:fld>
             <a:endParaRPr lang="en-US"/>
@@ -1528,7 +1560,7 @@
     </p:spTree>
     <p:extLst>
       <p:ext uri="{BB962C8B-B14F-4D97-AF65-F5344CB8AC3E}">
-        <p14:creationId xmlns:p14="http://schemas.microsoft.com/office/powerpoint/2010/main" val="2593205200"/>
+        <p14:creationId xmlns:p14="http://schemas.microsoft.com/office/powerpoint/2010/main" xmlns="" val="2593205200"/>
       </p:ext>
     </p:extLst>
   </p:cSld>
@@ -1603,6 +1635,7 @@
           <a:p>
             <a:fld id="{3BE3DC07-12DA-4907-B68D-C6D54C5EA421}" type="slidenum">
               <a:rPr lang="en-US" smtClean="0"/>
+              <a:pPr/>
               <a:t>32</a:t>
             </a:fld>
             <a:endParaRPr lang="en-US"/>
@@ -1612,7 +1645,7 @@
     </p:spTree>
     <p:extLst>
       <p:ext uri="{BB962C8B-B14F-4D97-AF65-F5344CB8AC3E}">
-        <p14:creationId xmlns:p14="http://schemas.microsoft.com/office/powerpoint/2010/main" val="2593205200"/>
+        <p14:creationId xmlns:p14="http://schemas.microsoft.com/office/powerpoint/2010/main" xmlns="" val="2593205200"/>
       </p:ext>
     </p:extLst>
   </p:cSld>
@@ -1687,6 +1720,7 @@
           <a:p>
             <a:fld id="{3BE3DC07-12DA-4907-B68D-C6D54C5EA421}" type="slidenum">
               <a:rPr lang="en-US" smtClean="0"/>
+              <a:pPr/>
               <a:t>15</a:t>
             </a:fld>
             <a:endParaRPr lang="en-US"/>
@@ -1696,7 +1730,7 @@
     </p:spTree>
     <p:extLst>
       <p:ext uri="{BB962C8B-B14F-4D97-AF65-F5344CB8AC3E}">
-        <p14:creationId xmlns:p14="http://schemas.microsoft.com/office/powerpoint/2010/main" val="2593205200"/>
+        <p14:creationId xmlns:p14="http://schemas.microsoft.com/office/powerpoint/2010/main" xmlns="" val="2593205200"/>
       </p:ext>
     </p:extLst>
   </p:cSld>
@@ -1771,6 +1805,7 @@
           <a:p>
             <a:fld id="{3BE3DC07-12DA-4907-B68D-C6D54C5EA421}" type="slidenum">
               <a:rPr lang="en-US" smtClean="0"/>
+              <a:pPr/>
               <a:t>16</a:t>
             </a:fld>
             <a:endParaRPr lang="en-US"/>
@@ -1780,7 +1815,7 @@
     </p:spTree>
     <p:extLst>
       <p:ext uri="{BB962C8B-B14F-4D97-AF65-F5344CB8AC3E}">
-        <p14:creationId xmlns:p14="http://schemas.microsoft.com/office/powerpoint/2010/main" val="2593205200"/>
+        <p14:creationId xmlns:p14="http://schemas.microsoft.com/office/powerpoint/2010/main" xmlns="" val="2593205200"/>
       </p:ext>
     </p:extLst>
   </p:cSld>
@@ -1855,6 +1890,7 @@
           <a:p>
             <a:fld id="{3BE3DC07-12DA-4907-B68D-C6D54C5EA421}" type="slidenum">
               <a:rPr lang="en-US" smtClean="0"/>
+              <a:pPr/>
               <a:t>17</a:t>
             </a:fld>
             <a:endParaRPr lang="en-US"/>
@@ -1864,7 +1900,7 @@
     </p:spTree>
     <p:extLst>
       <p:ext uri="{BB962C8B-B14F-4D97-AF65-F5344CB8AC3E}">
-        <p14:creationId xmlns:p14="http://schemas.microsoft.com/office/powerpoint/2010/main" val="2593205200"/>
+        <p14:creationId xmlns:p14="http://schemas.microsoft.com/office/powerpoint/2010/main" xmlns="" val="2593205200"/>
       </p:ext>
     </p:extLst>
   </p:cSld>
@@ -1939,6 +1975,7 @@
           <a:p>
             <a:fld id="{3BE3DC07-12DA-4907-B68D-C6D54C5EA421}" type="slidenum">
               <a:rPr lang="en-US" smtClean="0"/>
+              <a:pPr/>
               <a:t>18</a:t>
             </a:fld>
             <a:endParaRPr lang="en-US"/>
@@ -1948,7 +1985,7 @@
     </p:spTree>
     <p:extLst>
       <p:ext uri="{BB962C8B-B14F-4D97-AF65-F5344CB8AC3E}">
-        <p14:creationId xmlns:p14="http://schemas.microsoft.com/office/powerpoint/2010/main" val="2593205200"/>
+        <p14:creationId xmlns:p14="http://schemas.microsoft.com/office/powerpoint/2010/main" xmlns="" val="2593205200"/>
       </p:ext>
     </p:extLst>
   </p:cSld>
@@ -2023,6 +2060,7 @@
           <a:p>
             <a:fld id="{3BE3DC07-12DA-4907-B68D-C6D54C5EA421}" type="slidenum">
               <a:rPr lang="en-US" smtClean="0"/>
+              <a:pPr/>
               <a:t>19</a:t>
             </a:fld>
             <a:endParaRPr lang="en-US"/>
@@ -2032,7 +2070,7 @@
     </p:spTree>
     <p:extLst>
       <p:ext uri="{BB962C8B-B14F-4D97-AF65-F5344CB8AC3E}">
-        <p14:creationId xmlns:p14="http://schemas.microsoft.com/office/powerpoint/2010/main" val="2593205200"/>
+        <p14:creationId xmlns:p14="http://schemas.microsoft.com/office/powerpoint/2010/main" xmlns="" val="2593205200"/>
       </p:ext>
     </p:extLst>
   </p:cSld>
@@ -2256,6 +2294,7 @@
           <a:p>
             <a:fld id="{3BE3DC07-12DA-4907-B68D-C6D54C5EA421}" type="slidenum">
               <a:rPr lang="en-US" smtClean="0"/>
+              <a:pPr/>
               <a:t>20</a:t>
             </a:fld>
             <a:endParaRPr lang="en-US"/>
@@ -2265,7 +2304,7 @@
     </p:spTree>
     <p:extLst>
       <p:ext uri="{BB962C8B-B14F-4D97-AF65-F5344CB8AC3E}">
-        <p14:creationId xmlns:p14="http://schemas.microsoft.com/office/powerpoint/2010/main" val="2593205200"/>
+        <p14:creationId xmlns:p14="http://schemas.microsoft.com/office/powerpoint/2010/main" xmlns="" val="2593205200"/>
       </p:ext>
     </p:extLst>
   </p:cSld>
@@ -2340,6 +2379,7 @@
           <a:p>
             <a:fld id="{3BE3DC07-12DA-4907-B68D-C6D54C5EA421}" type="slidenum">
               <a:rPr lang="en-US" smtClean="0"/>
+              <a:pPr/>
               <a:t>21</a:t>
             </a:fld>
             <a:endParaRPr lang="en-US"/>
@@ -2349,7 +2389,7 @@
     </p:spTree>
     <p:extLst>
       <p:ext uri="{BB962C8B-B14F-4D97-AF65-F5344CB8AC3E}">
-        <p14:creationId xmlns:p14="http://schemas.microsoft.com/office/powerpoint/2010/main" val="2593205200"/>
+        <p14:creationId xmlns:p14="http://schemas.microsoft.com/office/powerpoint/2010/main" xmlns="" val="2593205200"/>
       </p:ext>
     </p:extLst>
   </p:cSld>
@@ -2563,6 +2603,7 @@
           <a:p>
             <a:fld id="{3BE3DC07-12DA-4907-B68D-C6D54C5EA421}" type="slidenum">
               <a:rPr lang="en-US" smtClean="0"/>
+              <a:pPr/>
               <a:t>22</a:t>
             </a:fld>
             <a:endParaRPr lang="en-US"/>
@@ -2572,7 +2613,7 @@
     </p:spTree>
     <p:extLst>
       <p:ext uri="{BB962C8B-B14F-4D97-AF65-F5344CB8AC3E}">
-        <p14:creationId xmlns:p14="http://schemas.microsoft.com/office/powerpoint/2010/main" val="2593205200"/>
+        <p14:creationId xmlns:p14="http://schemas.microsoft.com/office/powerpoint/2010/main" xmlns="" val="2593205200"/>
       </p:ext>
     </p:extLst>
   </p:cSld>
@@ -2763,7 +2804,8 @@
           <a:p>
             <a:fld id="{24ACE2F6-C757-45E7-996E-C6026A719188}" type="datetimeFigureOut">
               <a:rPr lang="en-US" smtClean="0"/>
-              <a:t>14-Jul-17</a:t>
+              <a:pPr/>
+              <a:t>7/14/2017</a:t>
             </a:fld>
             <a:endParaRPr lang="en-US"/>
           </a:p>
@@ -2805,6 +2847,7 @@
           <a:p>
             <a:fld id="{6E39169C-83CC-448E-B761-3463995035D7}" type="slidenum">
               <a:rPr lang="en-US" smtClean="0"/>
+              <a:pPr/>
               <a:t>‹#›</a:t>
             </a:fld>
             <a:endParaRPr lang="en-US"/>
@@ -2814,7 +2857,7 @@
     </p:spTree>
     <p:extLst>
       <p:ext uri="{BB962C8B-B14F-4D97-AF65-F5344CB8AC3E}">
-        <p14:creationId xmlns:p14="http://schemas.microsoft.com/office/powerpoint/2010/main" val="3872722510"/>
+        <p14:creationId xmlns:p14="http://schemas.microsoft.com/office/powerpoint/2010/main" xmlns="" val="3872722510"/>
       </p:ext>
     </p:extLst>
   </p:cSld>
@@ -2933,7 +2976,8 @@
           <a:p>
             <a:fld id="{24ACE2F6-C757-45E7-996E-C6026A719188}" type="datetimeFigureOut">
               <a:rPr lang="en-US" smtClean="0"/>
-              <a:t>14-Jul-17</a:t>
+              <a:pPr/>
+              <a:t>7/14/2017</a:t>
             </a:fld>
             <a:endParaRPr lang="en-US"/>
           </a:p>
@@ -2975,6 +3019,7 @@
           <a:p>
             <a:fld id="{6E39169C-83CC-448E-B761-3463995035D7}" type="slidenum">
               <a:rPr lang="en-US" smtClean="0"/>
+              <a:pPr/>
               <a:t>‹#›</a:t>
             </a:fld>
             <a:endParaRPr lang="en-US"/>
@@ -2984,7 +3029,7 @@
     </p:spTree>
     <p:extLst>
       <p:ext uri="{BB962C8B-B14F-4D97-AF65-F5344CB8AC3E}">
-        <p14:creationId xmlns:p14="http://schemas.microsoft.com/office/powerpoint/2010/main" val="4133557031"/>
+        <p14:creationId xmlns:p14="http://schemas.microsoft.com/office/powerpoint/2010/main" xmlns="" val="4133557031"/>
       </p:ext>
     </p:extLst>
   </p:cSld>
@@ -3113,7 +3158,8 @@
           <a:p>
             <a:fld id="{24ACE2F6-C757-45E7-996E-C6026A719188}" type="datetimeFigureOut">
               <a:rPr lang="en-US" smtClean="0"/>
-              <a:t>14-Jul-17</a:t>
+              <a:pPr/>
+              <a:t>7/14/2017</a:t>
             </a:fld>
             <a:endParaRPr lang="en-US"/>
           </a:p>
@@ -3155,6 +3201,7 @@
           <a:p>
             <a:fld id="{6E39169C-83CC-448E-B761-3463995035D7}" type="slidenum">
               <a:rPr lang="en-US" smtClean="0"/>
+              <a:pPr/>
               <a:t>‹#›</a:t>
             </a:fld>
             <a:endParaRPr lang="en-US"/>
@@ -3164,7 +3211,7 @@
     </p:spTree>
     <p:extLst>
       <p:ext uri="{BB962C8B-B14F-4D97-AF65-F5344CB8AC3E}">
-        <p14:creationId xmlns:p14="http://schemas.microsoft.com/office/powerpoint/2010/main" val="947674183"/>
+        <p14:creationId xmlns:p14="http://schemas.microsoft.com/office/powerpoint/2010/main" xmlns="" val="947674183"/>
       </p:ext>
     </p:extLst>
   </p:cSld>
@@ -3283,7 +3330,8 @@
           <a:p>
             <a:fld id="{24ACE2F6-C757-45E7-996E-C6026A719188}" type="datetimeFigureOut">
               <a:rPr lang="en-US" smtClean="0"/>
-              <a:t>14-Jul-17</a:t>
+              <a:pPr/>
+              <a:t>7/14/2017</a:t>
             </a:fld>
             <a:endParaRPr lang="en-US"/>
           </a:p>
@@ -3325,6 +3373,7 @@
           <a:p>
             <a:fld id="{6E39169C-83CC-448E-B761-3463995035D7}" type="slidenum">
               <a:rPr lang="en-US" smtClean="0"/>
+              <a:pPr/>
               <a:t>‹#›</a:t>
             </a:fld>
             <a:endParaRPr lang="en-US"/>
@@ -3334,7 +3383,7 @@
     </p:spTree>
     <p:extLst>
       <p:ext uri="{BB962C8B-B14F-4D97-AF65-F5344CB8AC3E}">
-        <p14:creationId xmlns:p14="http://schemas.microsoft.com/office/powerpoint/2010/main" val="236924292"/>
+        <p14:creationId xmlns:p14="http://schemas.microsoft.com/office/powerpoint/2010/main" xmlns="" val="236924292"/>
       </p:ext>
     </p:extLst>
   </p:cSld>
@@ -3529,7 +3578,8 @@
           <a:p>
             <a:fld id="{24ACE2F6-C757-45E7-996E-C6026A719188}" type="datetimeFigureOut">
               <a:rPr lang="en-US" smtClean="0"/>
-              <a:t>14-Jul-17</a:t>
+              <a:pPr/>
+              <a:t>7/14/2017</a:t>
             </a:fld>
             <a:endParaRPr lang="en-US"/>
           </a:p>
@@ -3571,6 +3621,7 @@
           <a:p>
             <a:fld id="{6E39169C-83CC-448E-B761-3463995035D7}" type="slidenum">
               <a:rPr lang="en-US" smtClean="0"/>
+              <a:pPr/>
               <a:t>‹#›</a:t>
             </a:fld>
             <a:endParaRPr lang="en-US"/>
@@ -3580,7 +3631,7 @@
     </p:spTree>
     <p:extLst>
       <p:ext uri="{BB962C8B-B14F-4D97-AF65-F5344CB8AC3E}">
-        <p14:creationId xmlns:p14="http://schemas.microsoft.com/office/powerpoint/2010/main" val="3541887252"/>
+        <p14:creationId xmlns:p14="http://schemas.microsoft.com/office/powerpoint/2010/main" xmlns="" val="3541887252"/>
       </p:ext>
     </p:extLst>
   </p:cSld>
@@ -3817,7 +3868,8 @@
           <a:p>
             <a:fld id="{24ACE2F6-C757-45E7-996E-C6026A719188}" type="datetimeFigureOut">
               <a:rPr lang="en-US" smtClean="0"/>
-              <a:t>14-Jul-17</a:t>
+              <a:pPr/>
+              <a:t>7/14/2017</a:t>
             </a:fld>
             <a:endParaRPr lang="en-US"/>
           </a:p>
@@ -3859,6 +3911,7 @@
           <a:p>
             <a:fld id="{6E39169C-83CC-448E-B761-3463995035D7}" type="slidenum">
               <a:rPr lang="en-US" smtClean="0"/>
+              <a:pPr/>
               <a:t>‹#›</a:t>
             </a:fld>
             <a:endParaRPr lang="en-US"/>
@@ -3868,7 +3921,7 @@
     </p:spTree>
     <p:extLst>
       <p:ext uri="{BB962C8B-B14F-4D97-AF65-F5344CB8AC3E}">
-        <p14:creationId xmlns:p14="http://schemas.microsoft.com/office/powerpoint/2010/main" val="1628709488"/>
+        <p14:creationId xmlns:p14="http://schemas.microsoft.com/office/powerpoint/2010/main" xmlns="" val="1628709488"/>
       </p:ext>
     </p:extLst>
   </p:cSld>
@@ -4239,7 +4292,8 @@
           <a:p>
             <a:fld id="{24ACE2F6-C757-45E7-996E-C6026A719188}" type="datetimeFigureOut">
               <a:rPr lang="en-US" smtClean="0"/>
-              <a:t>14-Jul-17</a:t>
+              <a:pPr/>
+              <a:t>7/14/2017</a:t>
             </a:fld>
             <a:endParaRPr lang="en-US"/>
           </a:p>
@@ -4281,6 +4335,7 @@
           <a:p>
             <a:fld id="{6E39169C-83CC-448E-B761-3463995035D7}" type="slidenum">
               <a:rPr lang="en-US" smtClean="0"/>
+              <a:pPr/>
               <a:t>‹#›</a:t>
             </a:fld>
             <a:endParaRPr lang="en-US"/>
@@ -4290,7 +4345,7 @@
     </p:spTree>
     <p:extLst>
       <p:ext uri="{BB962C8B-B14F-4D97-AF65-F5344CB8AC3E}">
-        <p14:creationId xmlns:p14="http://schemas.microsoft.com/office/powerpoint/2010/main" val="1043626351"/>
+        <p14:creationId xmlns:p14="http://schemas.microsoft.com/office/powerpoint/2010/main" xmlns="" val="1043626351"/>
       </p:ext>
     </p:extLst>
   </p:cSld>
@@ -4357,7 +4412,8 @@
           <a:p>
             <a:fld id="{24ACE2F6-C757-45E7-996E-C6026A719188}" type="datetimeFigureOut">
               <a:rPr lang="en-US" smtClean="0"/>
-              <a:t>14-Jul-17</a:t>
+              <a:pPr/>
+              <a:t>7/14/2017</a:t>
             </a:fld>
             <a:endParaRPr lang="en-US"/>
           </a:p>
@@ -4399,6 +4455,7 @@
           <a:p>
             <a:fld id="{6E39169C-83CC-448E-B761-3463995035D7}" type="slidenum">
               <a:rPr lang="en-US" smtClean="0"/>
+              <a:pPr/>
               <a:t>‹#›</a:t>
             </a:fld>
             <a:endParaRPr lang="en-US"/>
@@ -4408,7 +4465,7 @@
     </p:spTree>
     <p:extLst>
       <p:ext uri="{BB962C8B-B14F-4D97-AF65-F5344CB8AC3E}">
-        <p14:creationId xmlns:p14="http://schemas.microsoft.com/office/powerpoint/2010/main" val="628065772"/>
+        <p14:creationId xmlns:p14="http://schemas.microsoft.com/office/powerpoint/2010/main" xmlns="" val="628065772"/>
       </p:ext>
     </p:extLst>
   </p:cSld>
@@ -4452,7 +4509,8 @@
           <a:p>
             <a:fld id="{24ACE2F6-C757-45E7-996E-C6026A719188}" type="datetimeFigureOut">
               <a:rPr lang="en-US" smtClean="0"/>
-              <a:t>14-Jul-17</a:t>
+              <a:pPr/>
+              <a:t>7/14/2017</a:t>
             </a:fld>
             <a:endParaRPr lang="en-US"/>
           </a:p>
@@ -4494,6 +4552,7 @@
           <a:p>
             <a:fld id="{6E39169C-83CC-448E-B761-3463995035D7}" type="slidenum">
               <a:rPr lang="en-US" smtClean="0"/>
+              <a:pPr/>
               <a:t>‹#›</a:t>
             </a:fld>
             <a:endParaRPr lang="en-US"/>
@@ -4503,7 +4562,7 @@
     </p:spTree>
     <p:extLst>
       <p:ext uri="{BB962C8B-B14F-4D97-AF65-F5344CB8AC3E}">
-        <p14:creationId xmlns:p14="http://schemas.microsoft.com/office/powerpoint/2010/main" val="1093937869"/>
+        <p14:creationId xmlns:p14="http://schemas.microsoft.com/office/powerpoint/2010/main" xmlns="" val="1093937869"/>
       </p:ext>
     </p:extLst>
   </p:cSld>
@@ -4729,7 +4788,8 @@
           <a:p>
             <a:fld id="{24ACE2F6-C757-45E7-996E-C6026A719188}" type="datetimeFigureOut">
               <a:rPr lang="en-US" smtClean="0"/>
-              <a:t>14-Jul-17</a:t>
+              <a:pPr/>
+              <a:t>7/14/2017</a:t>
             </a:fld>
             <a:endParaRPr lang="en-US"/>
           </a:p>
@@ -4771,6 +4831,7 @@
           <a:p>
             <a:fld id="{6E39169C-83CC-448E-B761-3463995035D7}" type="slidenum">
               <a:rPr lang="en-US" smtClean="0"/>
+              <a:pPr/>
               <a:t>‹#›</a:t>
             </a:fld>
             <a:endParaRPr lang="en-US"/>
@@ -4780,7 +4841,7 @@
     </p:spTree>
     <p:extLst>
       <p:ext uri="{BB962C8B-B14F-4D97-AF65-F5344CB8AC3E}">
-        <p14:creationId xmlns:p14="http://schemas.microsoft.com/office/powerpoint/2010/main" val="3403887584"/>
+        <p14:creationId xmlns:p14="http://schemas.microsoft.com/office/powerpoint/2010/main" xmlns="" val="3403887584"/>
       </p:ext>
     </p:extLst>
   </p:cSld>
@@ -4982,7 +5043,8 @@
           <a:p>
             <a:fld id="{24ACE2F6-C757-45E7-996E-C6026A719188}" type="datetimeFigureOut">
               <a:rPr lang="en-US" smtClean="0"/>
-              <a:t>14-Jul-17</a:t>
+              <a:pPr/>
+              <a:t>7/14/2017</a:t>
             </a:fld>
             <a:endParaRPr lang="en-US"/>
           </a:p>
@@ -5024,6 +5086,7 @@
           <a:p>
             <a:fld id="{6E39169C-83CC-448E-B761-3463995035D7}" type="slidenum">
               <a:rPr lang="en-US" smtClean="0"/>
+              <a:pPr/>
               <a:t>‹#›</a:t>
             </a:fld>
             <a:endParaRPr lang="en-US"/>
@@ -5033,7 +5096,7 @@
     </p:spTree>
     <p:extLst>
       <p:ext uri="{BB962C8B-B14F-4D97-AF65-F5344CB8AC3E}">
-        <p14:creationId xmlns:p14="http://schemas.microsoft.com/office/powerpoint/2010/main" val="3479384517"/>
+        <p14:creationId xmlns:p14="http://schemas.microsoft.com/office/powerpoint/2010/main" xmlns="" val="3479384517"/>
       </p:ext>
     </p:extLst>
   </p:cSld>
@@ -5195,7 +5258,8 @@
           <a:p>
             <a:fld id="{24ACE2F6-C757-45E7-996E-C6026A719188}" type="datetimeFigureOut">
               <a:rPr lang="en-US" smtClean="0"/>
-              <a:t>14-Jul-17</a:t>
+              <a:pPr/>
+              <a:t>7/14/2017</a:t>
             </a:fld>
             <a:endParaRPr lang="en-US"/>
           </a:p>
@@ -5273,6 +5337,7 @@
           <a:p>
             <a:fld id="{6E39169C-83CC-448E-B761-3463995035D7}" type="slidenum">
               <a:rPr lang="en-US" smtClean="0"/>
+              <a:pPr/>
               <a:t>‹#›</a:t>
             </a:fld>
             <a:endParaRPr lang="en-US"/>
@@ -5282,7 +5347,7 @@
     </p:spTree>
     <p:extLst>
       <p:ext uri="{BB962C8B-B14F-4D97-AF65-F5344CB8AC3E}">
-        <p14:creationId xmlns:p14="http://schemas.microsoft.com/office/powerpoint/2010/main" val="1669325842"/>
+        <p14:creationId xmlns:p14="http://schemas.microsoft.com/office/powerpoint/2010/main" xmlns="" val="1669325842"/>
       </p:ext>
     </p:extLst>
   </p:cSld>
@@ -5707,7 +5772,7 @@
     </p:spTree>
     <p:extLst>
       <p:ext uri="{BB962C8B-B14F-4D97-AF65-F5344CB8AC3E}">
-        <p14:creationId xmlns:p14="http://schemas.microsoft.com/office/powerpoint/2010/main" val="2228469065"/>
+        <p14:creationId xmlns:p14="http://schemas.microsoft.com/office/powerpoint/2010/main" xmlns="" val="2228469065"/>
       </p:ext>
     </p:extLst>
   </p:cSld>
@@ -5814,10 +5879,10 @@
           <p:nvPr/>
         </p:nvPicPr>
         <p:blipFill>
-          <a:blip r:embed="rId2">
+          <a:blip r:embed="rId2" cstate="print">
             <a:extLst>
               <a:ext uri="{28A0092B-C50C-407E-A947-70E740481C1C}">
-                <a14:useLocalDpi xmlns:a14="http://schemas.microsoft.com/office/drawing/2010/main" val="0"/>
+                <a14:useLocalDpi xmlns:a14="http://schemas.microsoft.com/office/drawing/2010/main" xmlns="" val="0"/>
               </a:ext>
             </a:extLst>
           </a:blip>
@@ -5840,14 +5905,14 @@
           </a:ln>
           <a:extLst>
             <a:ext uri="{909E8E84-426E-40DD-AFC4-6F175D3DCCD1}">
-              <a14:hiddenFill xmlns:a14="http://schemas.microsoft.com/office/drawing/2010/main">
+              <a14:hiddenFill xmlns:a14="http://schemas.microsoft.com/office/drawing/2010/main" xmlns="">
                 <a:solidFill>
                   <a:schemeClr val="accent1"/>
                 </a:solidFill>
               </a14:hiddenFill>
             </a:ext>
             <a:ext uri="{91240B29-F687-4F45-9708-019B960494DF}">
-              <a14:hiddenLine xmlns:a14="http://schemas.microsoft.com/office/drawing/2010/main" w="9525">
+              <a14:hiddenLine xmlns:a14="http://schemas.microsoft.com/office/drawing/2010/main" xmlns="" w="9525">
                 <a:solidFill>
                   <a:schemeClr val="tx1"/>
                 </a:solidFill>
@@ -5868,10 +5933,10 @@
           <p:nvPr/>
         </p:nvPicPr>
         <p:blipFill>
-          <a:blip r:embed="rId3">
+          <a:blip r:embed="rId3" cstate="print">
             <a:extLst>
               <a:ext uri="{28A0092B-C50C-407E-A947-70E740481C1C}">
-                <a14:useLocalDpi xmlns:a14="http://schemas.microsoft.com/office/drawing/2010/main" val="0"/>
+                <a14:useLocalDpi xmlns:a14="http://schemas.microsoft.com/office/drawing/2010/main" xmlns="" val="0"/>
               </a:ext>
             </a:extLst>
           </a:blip>
@@ -5894,14 +5959,14 @@
           </a:ln>
           <a:extLst>
             <a:ext uri="{909E8E84-426E-40DD-AFC4-6F175D3DCCD1}">
-              <a14:hiddenFill xmlns:a14="http://schemas.microsoft.com/office/drawing/2010/main">
+              <a14:hiddenFill xmlns:a14="http://schemas.microsoft.com/office/drawing/2010/main" xmlns="">
                 <a:solidFill>
                   <a:schemeClr val="accent1"/>
                 </a:solidFill>
               </a14:hiddenFill>
             </a:ext>
             <a:ext uri="{91240B29-F687-4F45-9708-019B960494DF}">
-              <a14:hiddenLine xmlns:a14="http://schemas.microsoft.com/office/drawing/2010/main" w="9525">
+              <a14:hiddenLine xmlns:a14="http://schemas.microsoft.com/office/drawing/2010/main" xmlns="" w="9525">
                 <a:solidFill>
                   <a:schemeClr val="tx1"/>
                 </a:solidFill>
@@ -5946,7 +6011,7 @@
     </p:spTree>
     <p:extLst>
       <p:ext uri="{BB962C8B-B14F-4D97-AF65-F5344CB8AC3E}">
-        <p14:creationId xmlns:p14="http://schemas.microsoft.com/office/powerpoint/2010/main" val="1315256430"/>
+        <p14:creationId xmlns:p14="http://schemas.microsoft.com/office/powerpoint/2010/main" xmlns="" val="1315256430"/>
       </p:ext>
     </p:extLst>
   </p:cSld>
@@ -6118,10 +6183,10 @@
           <p:nvPr/>
         </p:nvPicPr>
         <p:blipFill>
-          <a:blip r:embed="rId2">
+          <a:blip r:embed="rId2" cstate="print">
             <a:extLst>
               <a:ext uri="{28A0092B-C50C-407E-A947-70E740481C1C}">
-                <a14:useLocalDpi xmlns:a14="http://schemas.microsoft.com/office/drawing/2010/main" val="0"/>
+                <a14:useLocalDpi xmlns:a14="http://schemas.microsoft.com/office/drawing/2010/main" xmlns="" val="0"/>
               </a:ext>
             </a:extLst>
           </a:blip>
@@ -6144,14 +6209,14 @@
           </a:ln>
           <a:extLst>
             <a:ext uri="{909E8E84-426E-40DD-AFC4-6F175D3DCCD1}">
-              <a14:hiddenFill xmlns:a14="http://schemas.microsoft.com/office/drawing/2010/main">
+              <a14:hiddenFill xmlns:a14="http://schemas.microsoft.com/office/drawing/2010/main" xmlns="">
                 <a:solidFill>
                   <a:schemeClr val="accent1"/>
                 </a:solidFill>
               </a14:hiddenFill>
             </a:ext>
             <a:ext uri="{91240B29-F687-4F45-9708-019B960494DF}">
-              <a14:hiddenLine xmlns:a14="http://schemas.microsoft.com/office/drawing/2010/main" w="9525">
+              <a14:hiddenLine xmlns:a14="http://schemas.microsoft.com/office/drawing/2010/main" xmlns="" w="9525">
                 <a:solidFill>
                   <a:schemeClr val="tx1"/>
                 </a:solidFill>
@@ -6166,7 +6231,7 @@
     </p:spTree>
     <p:extLst>
       <p:ext uri="{BB962C8B-B14F-4D97-AF65-F5344CB8AC3E}">
-        <p14:creationId xmlns:p14="http://schemas.microsoft.com/office/powerpoint/2010/main" val="1083778885"/>
+        <p14:creationId xmlns:p14="http://schemas.microsoft.com/office/powerpoint/2010/main" xmlns="" val="1083778885"/>
       </p:ext>
     </p:extLst>
   </p:cSld>
@@ -6271,7 +6336,7 @@
     </p:spTree>
     <p:extLst>
       <p:ext uri="{BB962C8B-B14F-4D97-AF65-F5344CB8AC3E}">
-        <p14:creationId xmlns:p14="http://schemas.microsoft.com/office/powerpoint/2010/main" val="899933529"/>
+        <p14:creationId xmlns:p14="http://schemas.microsoft.com/office/powerpoint/2010/main" xmlns="" val="899933529"/>
       </p:ext>
     </p:extLst>
   </p:cSld>
@@ -6384,10 +6449,10 @@
           <p:nvPr/>
         </p:nvPicPr>
         <p:blipFill>
-          <a:blip r:embed="rId2">
+          <a:blip r:embed="rId2" cstate="print">
             <a:extLst>
               <a:ext uri="{28A0092B-C50C-407E-A947-70E740481C1C}">
-                <a14:useLocalDpi xmlns:a14="http://schemas.microsoft.com/office/drawing/2010/main" val="0"/>
+                <a14:useLocalDpi xmlns:a14="http://schemas.microsoft.com/office/drawing/2010/main" xmlns="" val="0"/>
               </a:ext>
             </a:extLst>
           </a:blip>
@@ -6410,14 +6475,14 @@
           </a:ln>
           <a:extLst>
             <a:ext uri="{909E8E84-426E-40DD-AFC4-6F175D3DCCD1}">
-              <a14:hiddenFill xmlns:a14="http://schemas.microsoft.com/office/drawing/2010/main">
+              <a14:hiddenFill xmlns:a14="http://schemas.microsoft.com/office/drawing/2010/main" xmlns="">
                 <a:solidFill>
                   <a:schemeClr val="accent1"/>
                 </a:solidFill>
               </a14:hiddenFill>
             </a:ext>
             <a:ext uri="{91240B29-F687-4F45-9708-019B960494DF}">
-              <a14:hiddenLine xmlns:a14="http://schemas.microsoft.com/office/drawing/2010/main" w="9525">
+              <a14:hiddenLine xmlns:a14="http://schemas.microsoft.com/office/drawing/2010/main" xmlns="" w="9525">
                 <a:solidFill>
                   <a:schemeClr val="tx1"/>
                 </a:solidFill>
@@ -6438,10 +6503,10 @@
           <p:nvPr/>
         </p:nvPicPr>
         <p:blipFill>
-          <a:blip r:embed="rId3">
+          <a:blip r:embed="rId3" cstate="print">
             <a:extLst>
               <a:ext uri="{28A0092B-C50C-407E-A947-70E740481C1C}">
-                <a14:useLocalDpi xmlns:a14="http://schemas.microsoft.com/office/drawing/2010/main" val="0"/>
+                <a14:useLocalDpi xmlns:a14="http://schemas.microsoft.com/office/drawing/2010/main" xmlns="" val="0"/>
               </a:ext>
             </a:extLst>
           </a:blip>
@@ -6469,7 +6534,7 @@
           </a:ln>
           <a:extLst>
             <a:ext uri="{909E8E84-426E-40DD-AFC4-6F175D3DCCD1}">
-              <a14:hiddenFill xmlns:a14="http://schemas.microsoft.com/office/drawing/2010/main">
+              <a14:hiddenFill xmlns:a14="http://schemas.microsoft.com/office/drawing/2010/main" xmlns="">
                 <a:solidFill>
                   <a:schemeClr val="accent1"/>
                 </a:solidFill>
@@ -6481,7 +6546,7 @@
     </p:spTree>
     <p:extLst>
       <p:ext uri="{BB962C8B-B14F-4D97-AF65-F5344CB8AC3E}">
-        <p14:creationId xmlns:p14="http://schemas.microsoft.com/office/powerpoint/2010/main" val="962829588"/>
+        <p14:creationId xmlns:p14="http://schemas.microsoft.com/office/powerpoint/2010/main" xmlns="" val="962829588"/>
       </p:ext>
     </p:extLst>
   </p:cSld>
@@ -6658,7 +6723,7 @@
     </p:spTree>
     <p:extLst>
       <p:ext uri="{BB962C8B-B14F-4D97-AF65-F5344CB8AC3E}">
-        <p14:creationId xmlns:p14="http://schemas.microsoft.com/office/powerpoint/2010/main" val="4021079191"/>
+        <p14:creationId xmlns:p14="http://schemas.microsoft.com/office/powerpoint/2010/main" xmlns="" val="4021079191"/>
       </p:ext>
     </p:extLst>
   </p:cSld>
@@ -6797,7 +6862,7 @@
     </p:spTree>
     <p:extLst>
       <p:ext uri="{BB962C8B-B14F-4D97-AF65-F5344CB8AC3E}">
-        <p14:creationId xmlns:p14="http://schemas.microsoft.com/office/powerpoint/2010/main" val="3425280815"/>
+        <p14:creationId xmlns:p14="http://schemas.microsoft.com/office/powerpoint/2010/main" xmlns="" val="3425280815"/>
       </p:ext>
     </p:extLst>
   </p:cSld>
@@ -6929,10 +6994,10 @@
           <p:nvPr/>
         </p:nvPicPr>
         <p:blipFill>
-          <a:blip r:embed="rId3">
+          <a:blip r:embed="rId3" cstate="print">
             <a:extLst>
               <a:ext uri="{28A0092B-C50C-407E-A947-70E740481C1C}">
-                <a14:useLocalDpi xmlns:a14="http://schemas.microsoft.com/office/drawing/2010/main" val="0"/>
+                <a14:useLocalDpi xmlns:a14="http://schemas.microsoft.com/office/drawing/2010/main" xmlns="" val="0"/>
               </a:ext>
             </a:extLst>
           </a:blip>
@@ -6955,14 +7020,14 @@
           </a:ln>
           <a:extLst>
             <a:ext uri="{909E8E84-426E-40DD-AFC4-6F175D3DCCD1}">
-              <a14:hiddenFill xmlns:a14="http://schemas.microsoft.com/office/drawing/2010/main">
+              <a14:hiddenFill xmlns:a14="http://schemas.microsoft.com/office/drawing/2010/main" xmlns="">
                 <a:solidFill>
                   <a:schemeClr val="accent1"/>
                 </a:solidFill>
               </a14:hiddenFill>
             </a:ext>
             <a:ext uri="{91240B29-F687-4F45-9708-019B960494DF}">
-              <a14:hiddenLine xmlns:a14="http://schemas.microsoft.com/office/drawing/2010/main" w="9525">
+              <a14:hiddenLine xmlns:a14="http://schemas.microsoft.com/office/drawing/2010/main" xmlns="" w="9525">
                 <a:solidFill>
                   <a:schemeClr val="tx1"/>
                 </a:solidFill>
@@ -6977,7 +7042,7 @@
     </p:spTree>
     <p:extLst>
       <p:ext uri="{BB962C8B-B14F-4D97-AF65-F5344CB8AC3E}">
-        <p14:creationId xmlns:p14="http://schemas.microsoft.com/office/powerpoint/2010/main" val="2969484043"/>
+        <p14:creationId xmlns:p14="http://schemas.microsoft.com/office/powerpoint/2010/main" xmlns="" val="2969484043"/>
       </p:ext>
     </p:extLst>
   </p:cSld>
@@ -7079,10 +7144,10 @@
           <p:nvPr/>
         </p:nvPicPr>
         <p:blipFill>
-          <a:blip r:embed="rId3">
+          <a:blip r:embed="rId3" cstate="print">
             <a:extLst>
               <a:ext uri="{28A0092B-C50C-407E-A947-70E740481C1C}">
-                <a14:useLocalDpi xmlns:a14="http://schemas.microsoft.com/office/drawing/2010/main" val="0"/>
+                <a14:useLocalDpi xmlns:a14="http://schemas.microsoft.com/office/drawing/2010/main" xmlns="" val="0"/>
               </a:ext>
             </a:extLst>
           </a:blip>
@@ -7105,14 +7170,14 @@
           </a:ln>
           <a:extLst>
             <a:ext uri="{909E8E84-426E-40DD-AFC4-6F175D3DCCD1}">
-              <a14:hiddenFill xmlns:a14="http://schemas.microsoft.com/office/drawing/2010/main">
+              <a14:hiddenFill xmlns:a14="http://schemas.microsoft.com/office/drawing/2010/main" xmlns="">
                 <a:solidFill>
                   <a:schemeClr val="accent1"/>
                 </a:solidFill>
               </a14:hiddenFill>
             </a:ext>
             <a:ext uri="{91240B29-F687-4F45-9708-019B960494DF}">
-              <a14:hiddenLine xmlns:a14="http://schemas.microsoft.com/office/drawing/2010/main" w="9525">
+              <a14:hiddenLine xmlns:a14="http://schemas.microsoft.com/office/drawing/2010/main" xmlns="" w="9525">
                 <a:solidFill>
                   <a:schemeClr val="tx1"/>
                 </a:solidFill>
@@ -7262,7 +7327,7 @@
     </p:spTree>
     <p:extLst>
       <p:ext uri="{BB962C8B-B14F-4D97-AF65-F5344CB8AC3E}">
-        <p14:creationId xmlns:p14="http://schemas.microsoft.com/office/powerpoint/2010/main" val="2159420767"/>
+        <p14:creationId xmlns:p14="http://schemas.microsoft.com/office/powerpoint/2010/main" xmlns="" val="2159420767"/>
       </p:ext>
     </p:extLst>
   </p:cSld>
@@ -7364,10 +7429,10 @@
           <p:nvPr/>
         </p:nvPicPr>
         <p:blipFill>
-          <a:blip r:embed="rId3">
+          <a:blip r:embed="rId3" cstate="print">
             <a:extLst>
               <a:ext uri="{28A0092B-C50C-407E-A947-70E740481C1C}">
-                <a14:useLocalDpi xmlns:a14="http://schemas.microsoft.com/office/drawing/2010/main" val="0"/>
+                <a14:useLocalDpi xmlns:a14="http://schemas.microsoft.com/office/drawing/2010/main" xmlns="" val="0"/>
               </a:ext>
             </a:extLst>
           </a:blip>
@@ -7390,14 +7455,14 @@
           </a:ln>
           <a:extLst>
             <a:ext uri="{909E8E84-426E-40DD-AFC4-6F175D3DCCD1}">
-              <a14:hiddenFill xmlns:a14="http://schemas.microsoft.com/office/drawing/2010/main">
+              <a14:hiddenFill xmlns:a14="http://schemas.microsoft.com/office/drawing/2010/main" xmlns="">
                 <a:solidFill>
                   <a:schemeClr val="accent1"/>
                 </a:solidFill>
               </a14:hiddenFill>
             </a:ext>
             <a:ext uri="{91240B29-F687-4F45-9708-019B960494DF}">
-              <a14:hiddenLine xmlns:a14="http://schemas.microsoft.com/office/drawing/2010/main" w="9525">
+              <a14:hiddenLine xmlns:a14="http://schemas.microsoft.com/office/drawing/2010/main" xmlns="" w="9525">
                 <a:solidFill>
                   <a:schemeClr val="tx1"/>
                 </a:solidFill>
@@ -7806,7 +7871,7 @@
     </p:spTree>
     <p:extLst>
       <p:ext uri="{BB962C8B-B14F-4D97-AF65-F5344CB8AC3E}">
-        <p14:creationId xmlns:p14="http://schemas.microsoft.com/office/powerpoint/2010/main" val="1428806295"/>
+        <p14:creationId xmlns:p14="http://schemas.microsoft.com/office/powerpoint/2010/main" xmlns="" val="1428806295"/>
       </p:ext>
     </p:extLst>
   </p:cSld>
@@ -8205,7 +8270,7 @@
     </p:spTree>
     <p:extLst>
       <p:ext uri="{BB962C8B-B14F-4D97-AF65-F5344CB8AC3E}">
-        <p14:creationId xmlns:p14="http://schemas.microsoft.com/office/powerpoint/2010/main" val="3938600136"/>
+        <p14:creationId xmlns:p14="http://schemas.microsoft.com/office/powerpoint/2010/main" xmlns="" val="3938600136"/>
       </p:ext>
     </p:extLst>
   </p:cSld>
@@ -8340,7 +8405,7 @@
     </p:spTree>
     <p:extLst>
       <p:ext uri="{BB962C8B-B14F-4D97-AF65-F5344CB8AC3E}">
-        <p14:creationId xmlns:p14="http://schemas.microsoft.com/office/powerpoint/2010/main" val="2691532032"/>
+        <p14:creationId xmlns:p14="http://schemas.microsoft.com/office/powerpoint/2010/main" xmlns="" val="2691532032"/>
       </p:ext>
     </p:extLst>
   </p:cSld>
@@ -8535,7 +8600,7 @@
     </p:spTree>
     <p:extLst>
       <p:ext uri="{BB962C8B-B14F-4D97-AF65-F5344CB8AC3E}">
-        <p14:creationId xmlns:p14="http://schemas.microsoft.com/office/powerpoint/2010/main" val="2438082553"/>
+        <p14:creationId xmlns:p14="http://schemas.microsoft.com/office/powerpoint/2010/main" xmlns="" val="2438082553"/>
       </p:ext>
     </p:extLst>
   </p:cSld>
@@ -8618,10 +8683,10 @@
           </p:nvPr>
         </p:nvPicPr>
         <p:blipFill>
-          <a:blip r:embed="rId3">
+          <a:blip r:embed="rId3" cstate="print">
             <a:extLst>
               <a:ext uri="{28A0092B-C50C-407E-A947-70E740481C1C}">
-                <a14:useLocalDpi xmlns:a14="http://schemas.microsoft.com/office/drawing/2010/main" val="0"/>
+                <a14:useLocalDpi xmlns:a14="http://schemas.microsoft.com/office/drawing/2010/main" xmlns="" val="0"/>
               </a:ext>
             </a:extLst>
           </a:blip>
@@ -8644,14 +8709,14 @@
           </a:ln>
           <a:extLst>
             <a:ext uri="{909E8E84-426E-40DD-AFC4-6F175D3DCCD1}">
-              <a14:hiddenFill xmlns:a14="http://schemas.microsoft.com/office/drawing/2010/main">
+              <a14:hiddenFill xmlns:a14="http://schemas.microsoft.com/office/drawing/2010/main" xmlns="">
                 <a:solidFill>
                   <a:schemeClr val="accent1"/>
                 </a:solidFill>
               </a14:hiddenFill>
             </a:ext>
             <a:ext uri="{91240B29-F687-4F45-9708-019B960494DF}">
-              <a14:hiddenLine xmlns:a14="http://schemas.microsoft.com/office/drawing/2010/main" w="9525">
+              <a14:hiddenLine xmlns:a14="http://schemas.microsoft.com/office/drawing/2010/main" xmlns="" w="9525">
                 <a:solidFill>
                   <a:schemeClr val="tx1"/>
                 </a:solidFill>
@@ -8666,7 +8731,7 @@
     </p:spTree>
     <p:extLst>
       <p:ext uri="{BB962C8B-B14F-4D97-AF65-F5344CB8AC3E}">
-        <p14:creationId xmlns:p14="http://schemas.microsoft.com/office/powerpoint/2010/main" val="4132580002"/>
+        <p14:creationId xmlns:p14="http://schemas.microsoft.com/office/powerpoint/2010/main" xmlns="" val="4132580002"/>
       </p:ext>
     </p:extLst>
   </p:cSld>
@@ -8907,7 +8972,7 @@
     </p:spTree>
     <p:extLst>
       <p:ext uri="{BB962C8B-B14F-4D97-AF65-F5344CB8AC3E}">
-        <p14:creationId xmlns:p14="http://schemas.microsoft.com/office/powerpoint/2010/main" val="1535229092"/>
+        <p14:creationId xmlns:p14="http://schemas.microsoft.com/office/powerpoint/2010/main" xmlns="" val="1535229092"/>
       </p:ext>
     </p:extLst>
   </p:cSld>
@@ -9019,7 +9084,7 @@
     </p:spTree>
     <p:extLst>
       <p:ext uri="{BB962C8B-B14F-4D97-AF65-F5344CB8AC3E}">
-        <p14:creationId xmlns:p14="http://schemas.microsoft.com/office/powerpoint/2010/main" val="2377805966"/>
+        <p14:creationId xmlns:p14="http://schemas.microsoft.com/office/powerpoint/2010/main" xmlns="" val="2377805966"/>
       </p:ext>
     </p:extLst>
   </p:cSld>
@@ -9208,16 +9273,13 @@
               </a:rPr>
               <a:t> checkout -- &lt;file&gt;</a:t>
             </a:r>
-            <a:endParaRPr lang="en-US" dirty="0" smtClean="0">
-              <a:latin typeface="Consolas" panose="020B0609020204030204" pitchFamily="49" charset="0"/>
-            </a:endParaRPr>
           </a:p>
         </p:txBody>
       </p:sp>
     </p:spTree>
     <p:extLst>
       <p:ext uri="{BB962C8B-B14F-4D97-AF65-F5344CB8AC3E}">
-        <p14:creationId xmlns:p14="http://schemas.microsoft.com/office/powerpoint/2010/main" val="3341167013"/>
+        <p14:creationId xmlns:p14="http://schemas.microsoft.com/office/powerpoint/2010/main" xmlns="" val="3341167013"/>
       </p:ext>
     </p:extLst>
   </p:cSld>
@@ -9537,16 +9599,13 @@
               </a:rPr>
               <a:t>&gt;</a:t>
             </a:r>
-            <a:endParaRPr lang="en-US" dirty="0">
-              <a:latin typeface="Consolas" panose="020B0609020204030204" pitchFamily="49" charset="0"/>
-            </a:endParaRPr>
           </a:p>
         </p:txBody>
       </p:sp>
     </p:spTree>
     <p:extLst>
       <p:ext uri="{BB962C8B-B14F-4D97-AF65-F5344CB8AC3E}">
-        <p14:creationId xmlns:p14="http://schemas.microsoft.com/office/powerpoint/2010/main" val="1111441809"/>
+        <p14:creationId xmlns:p14="http://schemas.microsoft.com/office/powerpoint/2010/main" xmlns="" val="1111441809"/>
       </p:ext>
     </p:extLst>
   </p:cSld>
@@ -9658,7 +9717,7 @@
     </p:spTree>
     <p:extLst>
       <p:ext uri="{BB962C8B-B14F-4D97-AF65-F5344CB8AC3E}">
-        <p14:creationId xmlns:p14="http://schemas.microsoft.com/office/powerpoint/2010/main" val="2793090395"/>
+        <p14:creationId xmlns:p14="http://schemas.microsoft.com/office/powerpoint/2010/main" xmlns="" val="2793090395"/>
       </p:ext>
     </p:extLst>
   </p:cSld>
@@ -9878,7 +9937,7 @@
     </p:spTree>
     <p:extLst>
       <p:ext uri="{BB962C8B-B14F-4D97-AF65-F5344CB8AC3E}">
-        <p14:creationId xmlns:p14="http://schemas.microsoft.com/office/powerpoint/2010/main" val="4210565620"/>
+        <p14:creationId xmlns:p14="http://schemas.microsoft.com/office/powerpoint/2010/main" xmlns="" val="4210565620"/>
       </p:ext>
     </p:extLst>
   </p:cSld>
@@ -9989,7 +10048,7 @@
     </p:spTree>
     <p:extLst>
       <p:ext uri="{BB962C8B-B14F-4D97-AF65-F5344CB8AC3E}">
-        <p14:creationId xmlns:p14="http://schemas.microsoft.com/office/powerpoint/2010/main" val="1121520707"/>
+        <p14:creationId xmlns:p14="http://schemas.microsoft.com/office/powerpoint/2010/main" xmlns="" val="1121520707"/>
       </p:ext>
     </p:extLst>
   </p:cSld>
@@ -10110,13 +10169,7 @@
               <a:rPr lang="en-US" dirty="0" smtClean="0">
                 <a:latin typeface="Consolas" panose="020B0609020204030204" pitchFamily="49" charset="0"/>
               </a:rPr>
-              <a:t>        </a:t>
-            </a:r>
-            <a:r>
-              <a:rPr lang="en-US" dirty="0" smtClean="0">
-                <a:latin typeface="Consolas" panose="020B0609020204030204" pitchFamily="49" charset="0"/>
-              </a:rPr>
-              <a:t>(Workflow review)</a:t>
+              <a:t>        (Workflow review)</a:t>
             </a:r>
             <a:endParaRPr lang="en-US" dirty="0">
               <a:latin typeface="Consolas" panose="020B0609020204030204" pitchFamily="49" charset="0"/>
@@ -10127,7 +10180,7 @@
     </p:spTree>
     <p:extLst>
       <p:ext uri="{BB962C8B-B14F-4D97-AF65-F5344CB8AC3E}">
-        <p14:creationId xmlns:p14="http://schemas.microsoft.com/office/powerpoint/2010/main" val="499008285"/>
+        <p14:creationId xmlns:p14="http://schemas.microsoft.com/office/powerpoint/2010/main" xmlns="" val="499008285"/>
       </p:ext>
     </p:extLst>
   </p:cSld>
@@ -10202,10 +10255,10 @@
           <p:nvPr/>
         </p:nvPicPr>
         <p:blipFill>
-          <a:blip r:embed="rId2">
+          <a:blip r:embed="rId2" cstate="print">
             <a:extLst>
               <a:ext uri="{28A0092B-C50C-407E-A947-70E740481C1C}">
-                <a14:useLocalDpi xmlns:a14="http://schemas.microsoft.com/office/drawing/2010/main" val="0"/>
+                <a14:useLocalDpi xmlns:a14="http://schemas.microsoft.com/office/drawing/2010/main" xmlns="" val="0"/>
               </a:ext>
             </a:extLst>
           </a:blip>
@@ -10228,14 +10281,14 @@
           </a:ln>
           <a:extLst>
             <a:ext uri="{909E8E84-426E-40DD-AFC4-6F175D3DCCD1}">
-              <a14:hiddenFill xmlns:a14="http://schemas.microsoft.com/office/drawing/2010/main">
+              <a14:hiddenFill xmlns:a14="http://schemas.microsoft.com/office/drawing/2010/main" xmlns="">
                 <a:solidFill>
                   <a:schemeClr val="accent1"/>
                 </a:solidFill>
               </a14:hiddenFill>
             </a:ext>
             <a:ext uri="{91240B29-F687-4F45-9708-019B960494DF}">
-              <a14:hiddenLine xmlns:a14="http://schemas.microsoft.com/office/drawing/2010/main" w="9525">
+              <a14:hiddenLine xmlns:a14="http://schemas.microsoft.com/office/drawing/2010/main" xmlns="" w="9525">
                 <a:solidFill>
                   <a:schemeClr val="tx1"/>
                 </a:solidFill>
@@ -10250,7 +10303,7 @@
     </p:spTree>
     <p:extLst>
       <p:ext uri="{BB962C8B-B14F-4D97-AF65-F5344CB8AC3E}">
-        <p14:creationId xmlns:p14="http://schemas.microsoft.com/office/powerpoint/2010/main" val="2442058054"/>
+        <p14:creationId xmlns:p14="http://schemas.microsoft.com/office/powerpoint/2010/main" xmlns="" val="2442058054"/>
       </p:ext>
     </p:extLst>
   </p:cSld>
@@ -10327,7 +10380,7 @@
         <p:spPr/>
         <p:txBody>
           <a:bodyPr>
-            <a:normAutofit fontScale="92500"/>
+            <a:normAutofit fontScale="92500" lnSpcReduction="20000"/>
           </a:bodyPr>
           <a:lstStyle/>
           <a:p>
@@ -10442,8 +10495,28 @@
               <a:rPr lang="en-US" dirty="0" smtClean="0">
                 <a:latin typeface="Consolas" panose="020B0609020204030204" pitchFamily="49" charset="0"/>
               </a:rPr>
-              <a:t>..aliases</a:t>
-            </a:r>
+              <a:t>..</a:t>
+            </a:r>
+            <a:r>
+              <a:rPr lang="en-US" dirty="0" smtClean="0">
+                <a:latin typeface="Consolas" panose="020B0609020204030204" pitchFamily="49" charset="0"/>
+              </a:rPr>
+              <a:t>aliases</a:t>
+            </a:r>
+          </a:p>
+          <a:p>
+            <a:pPr marL="0" indent="0">
+              <a:buNone/>
+            </a:pPr>
+            <a:r>
+              <a:rPr lang="en-US" dirty="0" smtClean="0">
+                <a:latin typeface="Consolas" panose="020B0609020204030204" pitchFamily="49" charset="0"/>
+              </a:rPr>
+              <a:t>..commit stashing</a:t>
+            </a:r>
+            <a:endParaRPr lang="en-US" dirty="0" smtClean="0">
+              <a:latin typeface="Consolas" panose="020B0609020204030204" pitchFamily="49" charset="0"/>
+            </a:endParaRPr>
           </a:p>
           <a:p>
             <a:pPr marL="0" indent="0">
@@ -10466,7 +10539,7 @@
     </p:spTree>
     <p:extLst>
       <p:ext uri="{BB962C8B-B14F-4D97-AF65-F5344CB8AC3E}">
-        <p14:creationId xmlns:p14="http://schemas.microsoft.com/office/powerpoint/2010/main" val="534347452"/>
+        <p14:creationId xmlns:p14="http://schemas.microsoft.com/office/powerpoint/2010/main" xmlns="" val="534347452"/>
       </p:ext>
     </p:extLst>
   </p:cSld>
@@ -10554,13 +10627,7 @@
               <a:rPr lang="en-US" dirty="0" err="1" smtClean="0">
                 <a:latin typeface="Consolas" panose="020B0609020204030204" pitchFamily="49" charset="0"/>
               </a:rPr>
-              <a:t>g</a:t>
-            </a:r>
-            <a:r>
-              <a:rPr lang="en-US" dirty="0" err="1" smtClean="0">
-                <a:latin typeface="Consolas" panose="020B0609020204030204" pitchFamily="49" charset="0"/>
-              </a:rPr>
-              <a:t>it</a:t>
+              <a:t>git</a:t>
             </a:r>
             <a:r>
               <a:rPr lang="en-US" dirty="0" smtClean="0">
@@ -10577,7 +10644,7 @@
     </p:spTree>
     <p:extLst>
       <p:ext uri="{BB962C8B-B14F-4D97-AF65-F5344CB8AC3E}">
-        <p14:creationId xmlns:p14="http://schemas.microsoft.com/office/powerpoint/2010/main" val="2812530592"/>
+        <p14:creationId xmlns:p14="http://schemas.microsoft.com/office/powerpoint/2010/main" xmlns="" val="2812530592"/>
       </p:ext>
     </p:extLst>
   </p:cSld>
@@ -10751,7 +10818,7 @@
     </p:spTree>
     <p:extLst>
       <p:ext uri="{BB962C8B-B14F-4D97-AF65-F5344CB8AC3E}">
-        <p14:creationId xmlns:p14="http://schemas.microsoft.com/office/powerpoint/2010/main" val="1832582461"/>
+        <p14:creationId xmlns:p14="http://schemas.microsoft.com/office/powerpoint/2010/main" xmlns="" val="1832582461"/>
       </p:ext>
     </p:extLst>
   </p:cSld>
@@ -10830,10 +10897,10 @@
           <p:nvPr/>
         </p:nvPicPr>
         <p:blipFill>
-          <a:blip r:embed="rId2">
+          <a:blip r:embed="rId2" cstate="print">
             <a:extLst>
               <a:ext uri="{28A0092B-C50C-407E-A947-70E740481C1C}">
-                <a14:useLocalDpi xmlns:a14="http://schemas.microsoft.com/office/drawing/2010/main" val="0"/>
+                <a14:useLocalDpi xmlns:a14="http://schemas.microsoft.com/office/drawing/2010/main" xmlns="" val="0"/>
               </a:ext>
             </a:extLst>
           </a:blip>
@@ -10856,14 +10923,14 @@
           </a:ln>
           <a:extLst>
             <a:ext uri="{909E8E84-426E-40DD-AFC4-6F175D3DCCD1}">
-              <a14:hiddenFill xmlns:a14="http://schemas.microsoft.com/office/drawing/2010/main">
+              <a14:hiddenFill xmlns:a14="http://schemas.microsoft.com/office/drawing/2010/main" xmlns="">
                 <a:solidFill>
                   <a:schemeClr val="accent1"/>
                 </a:solidFill>
               </a14:hiddenFill>
             </a:ext>
             <a:ext uri="{91240B29-F687-4F45-9708-019B960494DF}">
-              <a14:hiddenLine xmlns:a14="http://schemas.microsoft.com/office/drawing/2010/main" w="9525">
+              <a14:hiddenLine xmlns:a14="http://schemas.microsoft.com/office/drawing/2010/main" xmlns="" w="9525">
                 <a:solidFill>
                   <a:schemeClr val="tx1"/>
                 </a:solidFill>
@@ -10956,7 +11023,7 @@
     </p:spTree>
     <p:extLst>
       <p:ext uri="{BB962C8B-B14F-4D97-AF65-F5344CB8AC3E}">
-        <p14:creationId xmlns:p14="http://schemas.microsoft.com/office/powerpoint/2010/main" val="1494963262"/>
+        <p14:creationId xmlns:p14="http://schemas.microsoft.com/office/powerpoint/2010/main" xmlns="" val="1494963262"/>
       </p:ext>
     </p:extLst>
   </p:cSld>
@@ -11035,10 +11102,10 @@
           <p:nvPr/>
         </p:nvPicPr>
         <p:blipFill>
-          <a:blip r:embed="rId2">
+          <a:blip r:embed="rId2" cstate="print">
             <a:extLst>
               <a:ext uri="{28A0092B-C50C-407E-A947-70E740481C1C}">
-                <a14:useLocalDpi xmlns:a14="http://schemas.microsoft.com/office/drawing/2010/main" val="0"/>
+                <a14:useLocalDpi xmlns:a14="http://schemas.microsoft.com/office/drawing/2010/main" xmlns="" val="0"/>
               </a:ext>
             </a:extLst>
           </a:blip>
@@ -11061,14 +11128,14 @@
           </a:ln>
           <a:extLst>
             <a:ext uri="{909E8E84-426E-40DD-AFC4-6F175D3DCCD1}">
-              <a14:hiddenFill xmlns:a14="http://schemas.microsoft.com/office/drawing/2010/main">
+              <a14:hiddenFill xmlns:a14="http://schemas.microsoft.com/office/drawing/2010/main" xmlns="">
                 <a:solidFill>
                   <a:schemeClr val="accent1"/>
                 </a:solidFill>
               </a14:hiddenFill>
             </a:ext>
             <a:ext uri="{91240B29-F687-4F45-9708-019B960494DF}">
-              <a14:hiddenLine xmlns:a14="http://schemas.microsoft.com/office/drawing/2010/main" w="9525">
+              <a14:hiddenLine xmlns:a14="http://schemas.microsoft.com/office/drawing/2010/main" xmlns="" w="9525">
                 <a:solidFill>
                   <a:schemeClr val="tx1"/>
                 </a:solidFill>
@@ -11196,7 +11263,7 @@
     </p:spTree>
     <p:extLst>
       <p:ext uri="{BB962C8B-B14F-4D97-AF65-F5344CB8AC3E}">
-        <p14:creationId xmlns:p14="http://schemas.microsoft.com/office/powerpoint/2010/main" val="3036981784"/>
+        <p14:creationId xmlns:p14="http://schemas.microsoft.com/office/powerpoint/2010/main" xmlns="" val="3036981784"/>
       </p:ext>
     </p:extLst>
   </p:cSld>
@@ -11327,10 +11394,10 @@
           <p:nvPr/>
         </p:nvPicPr>
         <p:blipFill>
-          <a:blip r:embed="rId2">
+          <a:blip r:embed="rId2" cstate="print">
             <a:extLst>
               <a:ext uri="{28A0092B-C50C-407E-A947-70E740481C1C}">
-                <a14:useLocalDpi xmlns:a14="http://schemas.microsoft.com/office/drawing/2010/main" val="0"/>
+                <a14:useLocalDpi xmlns:a14="http://schemas.microsoft.com/office/drawing/2010/main" xmlns="" val="0"/>
               </a:ext>
             </a:extLst>
           </a:blip>
@@ -11353,14 +11420,14 @@
           </a:ln>
           <a:extLst>
             <a:ext uri="{909E8E84-426E-40DD-AFC4-6F175D3DCCD1}">
-              <a14:hiddenFill xmlns:a14="http://schemas.microsoft.com/office/drawing/2010/main">
+              <a14:hiddenFill xmlns:a14="http://schemas.microsoft.com/office/drawing/2010/main" xmlns="">
                 <a:solidFill>
                   <a:schemeClr val="accent1"/>
                 </a:solidFill>
               </a14:hiddenFill>
             </a:ext>
             <a:ext uri="{91240B29-F687-4F45-9708-019B960494DF}">
-              <a14:hiddenLine xmlns:a14="http://schemas.microsoft.com/office/drawing/2010/main" w="9525">
+              <a14:hiddenLine xmlns:a14="http://schemas.microsoft.com/office/drawing/2010/main" xmlns="" w="9525">
                 <a:solidFill>
                   <a:schemeClr val="tx1"/>
                 </a:solidFill>
@@ -11375,7 +11442,7 @@
     </p:spTree>
     <p:extLst>
       <p:ext uri="{BB962C8B-B14F-4D97-AF65-F5344CB8AC3E}">
-        <p14:creationId xmlns:p14="http://schemas.microsoft.com/office/powerpoint/2010/main" val="194802048"/>
+        <p14:creationId xmlns:p14="http://schemas.microsoft.com/office/powerpoint/2010/main" xmlns="" val="194802048"/>
       </p:ext>
     </p:extLst>
   </p:cSld>
@@ -11501,7 +11568,7 @@
     </p:spTree>
     <p:extLst>
       <p:ext uri="{BB962C8B-B14F-4D97-AF65-F5344CB8AC3E}">
-        <p14:creationId xmlns:p14="http://schemas.microsoft.com/office/powerpoint/2010/main" val="31275642"/>
+        <p14:creationId xmlns:p14="http://schemas.microsoft.com/office/powerpoint/2010/main" xmlns="" val="31275642"/>
       </p:ext>
     </p:extLst>
   </p:cSld>
@@ -11569,10 +11636,10 @@
           </p:nvPr>
         </p:nvPicPr>
         <p:blipFill>
-          <a:blip r:embed="rId2">
+          <a:blip r:embed="rId2" cstate="print">
             <a:extLst>
               <a:ext uri="{28A0092B-C50C-407E-A947-70E740481C1C}">
-                <a14:useLocalDpi xmlns:a14="http://schemas.microsoft.com/office/drawing/2010/main" val="0"/>
+                <a14:useLocalDpi xmlns:a14="http://schemas.microsoft.com/office/drawing/2010/main" xmlns="" val="0"/>
               </a:ext>
             </a:extLst>
           </a:blip>
@@ -11600,7 +11667,7 @@
           </a:ln>
           <a:extLst>
             <a:ext uri="{909E8E84-426E-40DD-AFC4-6F175D3DCCD1}">
-              <a14:hiddenFill xmlns:a14="http://schemas.microsoft.com/office/drawing/2010/main">
+              <a14:hiddenFill xmlns:a14="http://schemas.microsoft.com/office/drawing/2010/main" xmlns="">
                 <a:solidFill>
                   <a:schemeClr val="accent1"/>
                 </a:solidFill>
@@ -11618,10 +11685,10 @@
           <p:nvPr/>
         </p:nvPicPr>
         <p:blipFill>
-          <a:blip r:embed="rId3">
+          <a:blip r:embed="rId3" cstate="print">
             <a:extLst>
               <a:ext uri="{28A0092B-C50C-407E-A947-70E740481C1C}">
-                <a14:useLocalDpi xmlns:a14="http://schemas.microsoft.com/office/drawing/2010/main" val="0"/>
+                <a14:useLocalDpi xmlns:a14="http://schemas.microsoft.com/office/drawing/2010/main" xmlns="" val="0"/>
               </a:ext>
             </a:extLst>
           </a:blip>
@@ -11649,7 +11716,7 @@
           </a:ln>
           <a:extLst>
             <a:ext uri="{909E8E84-426E-40DD-AFC4-6F175D3DCCD1}">
-              <a14:hiddenFill xmlns:a14="http://schemas.microsoft.com/office/drawing/2010/main">
+              <a14:hiddenFill xmlns:a14="http://schemas.microsoft.com/office/drawing/2010/main" xmlns="">
                 <a:solidFill>
                   <a:schemeClr val="accent1"/>
                 </a:solidFill>
@@ -11667,10 +11734,10 @@
           <p:nvPr/>
         </p:nvPicPr>
         <p:blipFill>
-          <a:blip r:embed="rId4">
+          <a:blip r:embed="rId4" cstate="print">
             <a:extLst>
               <a:ext uri="{28A0092B-C50C-407E-A947-70E740481C1C}">
-                <a14:useLocalDpi xmlns:a14="http://schemas.microsoft.com/office/drawing/2010/main" val="0"/>
+                <a14:useLocalDpi xmlns:a14="http://schemas.microsoft.com/office/drawing/2010/main" xmlns="" val="0"/>
               </a:ext>
             </a:extLst>
           </a:blip>
@@ -11698,7 +11765,7 @@
           </a:ln>
           <a:extLst>
             <a:ext uri="{909E8E84-426E-40DD-AFC4-6F175D3DCCD1}">
-              <a14:hiddenFill xmlns:a14="http://schemas.microsoft.com/office/drawing/2010/main">
+              <a14:hiddenFill xmlns:a14="http://schemas.microsoft.com/office/drawing/2010/main" xmlns="">
                 <a:solidFill>
                   <a:schemeClr val="accent1"/>
                 </a:solidFill>
@@ -11710,7 +11777,7 @@
     </p:spTree>
     <p:extLst>
       <p:ext uri="{BB962C8B-B14F-4D97-AF65-F5344CB8AC3E}">
-        <p14:creationId xmlns:p14="http://schemas.microsoft.com/office/powerpoint/2010/main" val="1171002076"/>
+        <p14:creationId xmlns:p14="http://schemas.microsoft.com/office/powerpoint/2010/main" xmlns="" val="1171002076"/>
       </p:ext>
     </p:extLst>
   </p:cSld>
@@ -11818,10 +11885,10 @@
           <p:nvPr/>
         </p:nvPicPr>
         <p:blipFill>
-          <a:blip r:embed="rId2">
+          <a:blip r:embed="rId2" cstate="print">
             <a:extLst>
               <a:ext uri="{28A0092B-C50C-407E-A947-70E740481C1C}">
-                <a14:useLocalDpi xmlns:a14="http://schemas.microsoft.com/office/drawing/2010/main" val="0"/>
+                <a14:useLocalDpi xmlns:a14="http://schemas.microsoft.com/office/drawing/2010/main" xmlns="" val="0"/>
               </a:ext>
             </a:extLst>
           </a:blip>
@@ -11844,14 +11911,14 @@
           </a:ln>
           <a:extLst>
             <a:ext uri="{909E8E84-426E-40DD-AFC4-6F175D3DCCD1}">
-              <a14:hiddenFill xmlns:a14="http://schemas.microsoft.com/office/drawing/2010/main">
+              <a14:hiddenFill xmlns:a14="http://schemas.microsoft.com/office/drawing/2010/main" xmlns="">
                 <a:solidFill>
                   <a:schemeClr val="accent1"/>
                 </a:solidFill>
               </a14:hiddenFill>
             </a:ext>
             <a:ext uri="{91240B29-F687-4F45-9708-019B960494DF}">
-              <a14:hiddenLine xmlns:a14="http://schemas.microsoft.com/office/drawing/2010/main" w="9525">
+              <a14:hiddenLine xmlns:a14="http://schemas.microsoft.com/office/drawing/2010/main" xmlns="" w="9525">
                 <a:solidFill>
                   <a:schemeClr val="tx1"/>
                 </a:solidFill>
@@ -11866,7 +11933,7 @@
     </p:spTree>
     <p:extLst>
       <p:ext uri="{BB962C8B-B14F-4D97-AF65-F5344CB8AC3E}">
-        <p14:creationId xmlns:p14="http://schemas.microsoft.com/office/powerpoint/2010/main" val="55832469"/>
+        <p14:creationId xmlns:p14="http://schemas.microsoft.com/office/powerpoint/2010/main" xmlns="" val="55832469"/>
       </p:ext>
     </p:extLst>
   </p:cSld>

--- a/GIT version control.pptx
+++ b/GIT version control.pptx
@@ -1349,14 +1349,10 @@
             </a:r>
             <a:r>
               <a:rPr lang="en-US" dirty="0" smtClean="0"/>
-              <a:t> merge on </a:t>
-            </a:r>
-            <a:r>
-              <a:rPr lang="en-US" smtClean="0"/>
-              <a:t>server after</a:t>
-            </a:r>
-            <a:r>
-              <a:rPr lang="en-US" baseline="0" smtClean="0"/>
+              <a:t> merge on server after</a:t>
+            </a:r>
+            <a:r>
+              <a:rPr lang="en-US" baseline="0" dirty="0" smtClean="0"/>
               <a:t> push.</a:t>
             </a:r>
             <a:endParaRPr lang="en-US" dirty="0"/>
@@ -8396,7 +8392,13 @@
             </a:br>
             <a:r>
               <a:rPr lang="en-US" sz="2400" dirty="0" smtClean="0"/>
-              <a:t>And obviously do not overwrite on some one else’ work :P </a:t>
+              <a:t>And obviously do not overwrite on some one else’ work </a:t>
+            </a:r>
+            <a:r>
+              <a:rPr lang="en-US" sz="2400" dirty="0" smtClean="0">
+                <a:sym typeface="Wingdings" pitchFamily="2" charset="2"/>
+              </a:rPr>
+              <a:t></a:t>
             </a:r>
             <a:endParaRPr lang="en-US" sz="2400" dirty="0"/>
           </a:p>
